--- a/C5T1_CreditOne_Framework.pptx
+++ b/C5T1_CreditOne_Framework.pptx
@@ -9,6 +9,11 @@
     <p:sldId id="293" r:id="rId3"/>
     <p:sldId id="336" r:id="rId4"/>
     <p:sldId id="285" r:id="rId5"/>
+    <p:sldId id="337" r:id="rId6"/>
+    <p:sldId id="338" r:id="rId7"/>
+    <p:sldId id="339" r:id="rId8"/>
+    <p:sldId id="340" r:id="rId9"/>
+    <p:sldId id="341" r:id="rId10"/>
   </p:sldIdLst>
   <p:sldSz cx="12192000" cy="6858000"/>
   <p:notesSz cx="6858000" cy="9144000"/>
@@ -116,6 +121,11 @@
             <p14:sldId id="293"/>
             <p14:sldId id="336"/>
             <p14:sldId id="285"/>
+            <p14:sldId id="337"/>
+            <p14:sldId id="338"/>
+            <p14:sldId id="339"/>
+            <p14:sldId id="340"/>
+            <p14:sldId id="341"/>
           </p14:sldIdLst>
         </p14:section>
       </p14:sectionLst>
@@ -968,7 +978,7 @@
         <a:p>
           <a:r>
             <a:rPr lang="en-US" dirty="0"/>
-            <a:t>In this project, we are tasked with predicting estimated probability of default for individual customers. The estimated probability of default would give the credit issuers valuable information on risk of any additional default payment by the customer and what action they should take to minimize loss.</a:t>
+            <a:t>In this project, we are tasked with predicting if customers will default their next payment. This would give the credit issuers valuable information on risk of any additional default payment by the customer and what action they should take to minimize loss.</a:t>
           </a:r>
         </a:p>
       </dgm:t>
@@ -1230,7 +1240,7 @@
           </a:pPr>
           <a:r>
             <a:rPr lang="en-US" sz="2100" kern="1200" dirty="0"/>
-            <a:t>In this project, we are tasked with predicting estimated probability of default for individual customers. The estimated probability of default would give the credit issuers valuable information on risk of any additional default payment by the customer and what action they should take to minimize loss.</a:t>
+            <a:t>In this project, we are tasked with predicting if customers will default their next payment. This would give the credit issuers valuable information on risk of any additional default payment by the customer and what action they should take to minimize loss.</a:t>
           </a:r>
         </a:p>
       </dsp:txBody>
@@ -3189,7 +3199,7 @@
           <a:p>
             <a:fld id="{71BAD3DD-E573-48C1-950E-7CD0F8FC29CD}" type="datetimeFigureOut">
               <a:rPr lang="en-US" smtClean="0"/>
-              <a:t>8/2/2019</a:t>
+              <a:t>8/6/2019</a:t>
             </a:fld>
             <a:endParaRPr lang="en-US"/>
           </a:p>
@@ -3445,7 +3455,7 @@
           <a:p>
             <a:fld id="{71BAD3DD-E573-48C1-950E-7CD0F8FC29CD}" type="datetimeFigureOut">
               <a:rPr lang="en-US" smtClean="0"/>
-              <a:t>8/2/2019</a:t>
+              <a:t>8/6/2019</a:t>
             </a:fld>
             <a:endParaRPr lang="en-US"/>
           </a:p>
@@ -3759,7 +3769,7 @@
           <a:p>
             <a:fld id="{71BAD3DD-E573-48C1-950E-7CD0F8FC29CD}" type="datetimeFigureOut">
               <a:rPr lang="en-US" smtClean="0"/>
-              <a:t>8/2/2019</a:t>
+              <a:t>8/6/2019</a:t>
             </a:fld>
             <a:endParaRPr lang="en-US"/>
           </a:p>
@@ -4092,7 +4102,7 @@
           <a:p>
             <a:fld id="{71BAD3DD-E573-48C1-950E-7CD0F8FC29CD}" type="datetimeFigureOut">
               <a:rPr lang="en-US" smtClean="0"/>
-              <a:t>8/2/2019</a:t>
+              <a:t>8/6/2019</a:t>
             </a:fld>
             <a:endParaRPr lang="en-US"/>
           </a:p>
@@ -4406,7 +4416,7 @@
           <a:p>
             <a:fld id="{71BAD3DD-E573-48C1-950E-7CD0F8FC29CD}" type="datetimeFigureOut">
               <a:rPr lang="en-US" smtClean="0"/>
-              <a:t>8/2/2019</a:t>
+              <a:t>8/6/2019</a:t>
             </a:fld>
             <a:endParaRPr lang="en-US"/>
           </a:p>
@@ -4799,7 +4809,7 @@
           <a:p>
             <a:fld id="{71BAD3DD-E573-48C1-950E-7CD0F8FC29CD}" type="datetimeFigureOut">
               <a:rPr lang="en-US" smtClean="0"/>
-              <a:t>8/2/2019</a:t>
+              <a:t>8/6/2019</a:t>
             </a:fld>
             <a:endParaRPr lang="en-US"/>
           </a:p>
@@ -4969,7 +4979,7 @@
           <a:p>
             <a:fld id="{71BAD3DD-E573-48C1-950E-7CD0F8FC29CD}" type="datetimeFigureOut">
               <a:rPr lang="en-US" smtClean="0"/>
-              <a:t>8/2/2019</a:t>
+              <a:t>8/6/2019</a:t>
             </a:fld>
             <a:endParaRPr lang="en-US"/>
           </a:p>
@@ -5149,7 +5159,7 @@
           <a:p>
             <a:fld id="{71BAD3DD-E573-48C1-950E-7CD0F8FC29CD}" type="datetimeFigureOut">
               <a:rPr lang="en-US" smtClean="0"/>
-              <a:t>8/2/2019</a:t>
+              <a:t>8/6/2019</a:t>
             </a:fld>
             <a:endParaRPr lang="en-US"/>
           </a:p>
@@ -5319,7 +5329,7 @@
           <a:p>
             <a:fld id="{71BAD3DD-E573-48C1-950E-7CD0F8FC29CD}" type="datetimeFigureOut">
               <a:rPr lang="en-US" smtClean="0"/>
-              <a:t>8/2/2019</a:t>
+              <a:t>8/6/2019</a:t>
             </a:fld>
             <a:endParaRPr lang="en-US"/>
           </a:p>
@@ -5566,7 +5576,7 @@
           <a:p>
             <a:fld id="{71BAD3DD-E573-48C1-950E-7CD0F8FC29CD}" type="datetimeFigureOut">
               <a:rPr lang="en-US" smtClean="0"/>
-              <a:t>8/2/2019</a:t>
+              <a:t>8/6/2019</a:t>
             </a:fld>
             <a:endParaRPr lang="en-US"/>
           </a:p>
@@ -5803,7 +5813,7 @@
           <a:p>
             <a:fld id="{71BAD3DD-E573-48C1-950E-7CD0F8FC29CD}" type="datetimeFigureOut">
               <a:rPr lang="en-US" smtClean="0"/>
-              <a:t>8/2/2019</a:t>
+              <a:t>8/6/2019</a:t>
             </a:fld>
             <a:endParaRPr lang="en-US"/>
           </a:p>
@@ -6177,7 +6187,7 @@
           <a:p>
             <a:fld id="{71BAD3DD-E573-48C1-950E-7CD0F8FC29CD}" type="datetimeFigureOut">
               <a:rPr lang="en-US" smtClean="0"/>
-              <a:t>8/2/2019</a:t>
+              <a:t>8/6/2019</a:t>
             </a:fld>
             <a:endParaRPr lang="en-US"/>
           </a:p>
@@ -6300,7 +6310,7 @@
           <a:p>
             <a:fld id="{71BAD3DD-E573-48C1-950E-7CD0F8FC29CD}" type="datetimeFigureOut">
               <a:rPr lang="en-US" smtClean="0"/>
-              <a:t>8/2/2019</a:t>
+              <a:t>8/6/2019</a:t>
             </a:fld>
             <a:endParaRPr lang="en-US"/>
           </a:p>
@@ -6395,7 +6405,7 @@
           <a:p>
             <a:fld id="{71BAD3DD-E573-48C1-950E-7CD0F8FC29CD}" type="datetimeFigureOut">
               <a:rPr lang="en-US" smtClean="0"/>
-              <a:t>8/2/2019</a:t>
+              <a:t>8/6/2019</a:t>
             </a:fld>
             <a:endParaRPr lang="en-US"/>
           </a:p>
@@ -6655,7 +6665,7 @@
           <a:p>
             <a:fld id="{71BAD3DD-E573-48C1-950E-7CD0F8FC29CD}" type="datetimeFigureOut">
               <a:rPr lang="en-US" smtClean="0"/>
-              <a:t>8/2/2019</a:t>
+              <a:t>8/6/2019</a:t>
             </a:fld>
             <a:endParaRPr lang="en-US"/>
           </a:p>
@@ -6965,7 +6975,7 @@
           <a:p>
             <a:fld id="{71BAD3DD-E573-48C1-950E-7CD0F8FC29CD}" type="datetimeFigureOut">
               <a:rPr lang="en-US" smtClean="0"/>
-              <a:t>8/2/2019</a:t>
+              <a:t>8/6/2019</a:t>
             </a:fld>
             <a:endParaRPr lang="en-US"/>
           </a:p>
@@ -7667,7 +7677,7 @@
           <a:p>
             <a:fld id="{71BAD3DD-E573-48C1-950E-7CD0F8FC29CD}" type="datetimeFigureOut">
               <a:rPr lang="en-US" smtClean="0"/>
-              <a:t>8/2/2019</a:t>
+              <a:t>8/6/2019</a:t>
             </a:fld>
             <a:endParaRPr lang="en-US"/>
           </a:p>
@@ -8234,7 +8244,7 @@
           <a:p>
             <a:r>
               <a:rPr lang="en-US" sz="3600" b="1" dirty="0"/>
-              <a:t>Repayment Default Analysis</a:t>
+              <a:t>Credit Payment Default Analysis</a:t>
             </a:r>
           </a:p>
         </p:txBody>
@@ -9093,7 +9103,7 @@
           <p:nvPr>
             <p:extLst>
               <p:ext uri="{D42A27DB-BD31-4B8C-83A1-F6EECF244321}">
-                <p14:modId xmlns:p14="http://schemas.microsoft.com/office/powerpoint/2010/main" val="38268032"/>
+                <p14:modId xmlns:p14="http://schemas.microsoft.com/office/powerpoint/2010/main" val="4192254557"/>
               </p:ext>
             </p:extLst>
           </p:nvPr>
@@ -9189,8 +9199,8 @@
         </p:nvSpPr>
         <p:spPr>
           <a:xfrm>
-            <a:off x="940526" y="1410789"/>
-            <a:ext cx="8839200" cy="4630573"/>
+            <a:off x="792480" y="3969915"/>
+            <a:ext cx="8839200" cy="2540516"/>
           </a:xfrm>
           <a:prstGeom prst="rect">
             <a:avLst/>
@@ -9198,7 +9208,7 @@
         </p:spPr>
         <p:txBody>
           <a:bodyPr vert="horz" lIns="91440" tIns="45720" rIns="91440" bIns="45720" rtlCol="0">
-            <a:normAutofit/>
+            <a:normAutofit lnSpcReduction="10000"/>
           </a:bodyPr>
           <a:lstStyle>
             <a:lvl1pPr marL="342900" indent="-342900" algn="l" defTabSz="457200" rtl="0" eaLnBrk="1" latinLnBrk="0" hangingPunct="1">
@@ -9430,7 +9440,7 @@
           <a:p>
             <a:r>
               <a:rPr lang="en-US" dirty="0"/>
-              <a:t>Three classification models will be evaluated to determine the appropriate model.</a:t>
+              <a:t>Three classification algorithms will be evaluated to determine the appropriate model.</a:t>
             </a:r>
           </a:p>
           <a:p>
@@ -9455,15 +9465,15 @@
             </a:r>
           </a:p>
           <a:p>
-            <a:pPr marL="457200" lvl="1" indent="0">
-              <a:buNone/>
-            </a:pPr>
-            <a:endParaRPr lang="en-US" dirty="0"/>
-          </a:p>
-          <a:p>
             <a:r>
               <a:rPr lang="en-US" dirty="0"/>
-              <a:t>The chosen model with then be use for make predictions. Accuracy and Precision will be used to measure the model.</a:t>
+              <a:t>The chosen model with then be used for make predictions. </a:t>
+            </a:r>
+          </a:p>
+          <a:p>
+            <a:r>
+              <a:rPr lang="en-US" dirty="0"/>
+              <a:t>Accuracy and Precision will be used to measure the model performance.</a:t>
             </a:r>
           </a:p>
           <a:p>
@@ -9474,6 +9484,644 @@
           </a:p>
         </p:txBody>
       </p:sp>
+      <p:sp>
+        <p:nvSpPr>
+          <p:cNvPr id="3" name="Rectangle 2">
+            <a:extLst>
+              <a:ext uri="{FF2B5EF4-FFF2-40B4-BE49-F238E27FC236}">
+                <a16:creationId xmlns:a16="http://schemas.microsoft.com/office/drawing/2014/main" id="{1FB98B53-FAF4-4D6E-9199-79FAFC91B252}"/>
+              </a:ext>
+            </a:extLst>
+          </p:cNvPr>
+          <p:cNvSpPr/>
+          <p:nvPr/>
+        </p:nvSpPr>
+        <p:spPr>
+          <a:xfrm>
+            <a:off x="1132114" y="1410789"/>
+            <a:ext cx="1219200" cy="975360"/>
+          </a:xfrm>
+          <a:prstGeom prst="rect">
+            <a:avLst/>
+          </a:prstGeom>
+        </p:spPr>
+        <p:style>
+          <a:lnRef idx="2">
+            <a:schemeClr val="accent1">
+              <a:shade val="50000"/>
+            </a:schemeClr>
+          </a:lnRef>
+          <a:fillRef idx="1">
+            <a:schemeClr val="accent1"/>
+          </a:fillRef>
+          <a:effectRef idx="0">
+            <a:schemeClr val="accent1"/>
+          </a:effectRef>
+          <a:fontRef idx="minor">
+            <a:schemeClr val="lt1"/>
+          </a:fontRef>
+        </p:style>
+        <p:txBody>
+          <a:bodyPr rtlCol="0" anchor="ctr"/>
+          <a:lstStyle/>
+          <a:p>
+            <a:pPr algn="ctr"/>
+            <a:r>
+              <a:rPr lang="en-US" sz="1600" dirty="0"/>
+              <a:t>Raw  </a:t>
+            </a:r>
+            <a:r>
+              <a:rPr lang="en-US" sz="1600" dirty="0" err="1"/>
+              <a:t>CreditOne</a:t>
+            </a:r>
+            <a:r>
+              <a:rPr lang="en-US" sz="1600" dirty="0"/>
+              <a:t> Dataset</a:t>
+            </a:r>
+          </a:p>
+        </p:txBody>
+      </p:sp>
+      <p:sp>
+        <p:nvSpPr>
+          <p:cNvPr id="5" name="Rectangle 4">
+            <a:extLst>
+              <a:ext uri="{FF2B5EF4-FFF2-40B4-BE49-F238E27FC236}">
+                <a16:creationId xmlns:a16="http://schemas.microsoft.com/office/drawing/2014/main" id="{69BD7DD2-5B1D-4CAA-9EC2-225188DB33D0}"/>
+              </a:ext>
+            </a:extLst>
+          </p:cNvPr>
+          <p:cNvSpPr/>
+          <p:nvPr/>
+        </p:nvSpPr>
+        <p:spPr>
+          <a:xfrm>
+            <a:off x="2947851" y="1410789"/>
+            <a:ext cx="1219200" cy="975360"/>
+          </a:xfrm>
+          <a:prstGeom prst="rect">
+            <a:avLst/>
+          </a:prstGeom>
+        </p:spPr>
+        <p:style>
+          <a:lnRef idx="2">
+            <a:schemeClr val="accent1">
+              <a:shade val="50000"/>
+            </a:schemeClr>
+          </a:lnRef>
+          <a:fillRef idx="1">
+            <a:schemeClr val="accent1"/>
+          </a:fillRef>
+          <a:effectRef idx="0">
+            <a:schemeClr val="accent1"/>
+          </a:effectRef>
+          <a:fontRef idx="minor">
+            <a:schemeClr val="lt1"/>
+          </a:fontRef>
+        </p:style>
+        <p:txBody>
+          <a:bodyPr rtlCol="0" anchor="ctr"/>
+          <a:lstStyle/>
+          <a:p>
+            <a:pPr algn="ctr"/>
+            <a:r>
+              <a:rPr lang="en-US" sz="1600" dirty="0"/>
+              <a:t>Data Pre-Processing </a:t>
+            </a:r>
+          </a:p>
+        </p:txBody>
+      </p:sp>
+      <p:sp>
+        <p:nvSpPr>
+          <p:cNvPr id="6" name="Rectangle 5">
+            <a:extLst>
+              <a:ext uri="{FF2B5EF4-FFF2-40B4-BE49-F238E27FC236}">
+                <a16:creationId xmlns:a16="http://schemas.microsoft.com/office/drawing/2014/main" id="{E3274529-910D-47A0-8765-A20EA6BCC0D4}"/>
+              </a:ext>
+            </a:extLst>
+          </p:cNvPr>
+          <p:cNvSpPr/>
+          <p:nvPr/>
+        </p:nvSpPr>
+        <p:spPr>
+          <a:xfrm>
+            <a:off x="4763588" y="1410789"/>
+            <a:ext cx="1088572" cy="975360"/>
+          </a:xfrm>
+          <a:prstGeom prst="rect">
+            <a:avLst/>
+          </a:prstGeom>
+        </p:spPr>
+        <p:style>
+          <a:lnRef idx="2">
+            <a:schemeClr val="accent1">
+              <a:shade val="50000"/>
+            </a:schemeClr>
+          </a:lnRef>
+          <a:fillRef idx="1">
+            <a:schemeClr val="accent1"/>
+          </a:fillRef>
+          <a:effectRef idx="0">
+            <a:schemeClr val="accent1"/>
+          </a:effectRef>
+          <a:fontRef idx="minor">
+            <a:schemeClr val="lt1"/>
+          </a:fontRef>
+        </p:style>
+        <p:txBody>
+          <a:bodyPr rtlCol="0" anchor="ctr"/>
+          <a:lstStyle/>
+          <a:p>
+            <a:pPr algn="ctr"/>
+            <a:r>
+              <a:rPr lang="en-US" sz="1600" dirty="0"/>
+              <a:t>EDA</a:t>
+            </a:r>
+          </a:p>
+        </p:txBody>
+      </p:sp>
+      <p:sp>
+        <p:nvSpPr>
+          <p:cNvPr id="7" name="Rectangle 6">
+            <a:extLst>
+              <a:ext uri="{FF2B5EF4-FFF2-40B4-BE49-F238E27FC236}">
+                <a16:creationId xmlns:a16="http://schemas.microsoft.com/office/drawing/2014/main" id="{D3097F75-D913-45E5-879B-7C60F7C32750}"/>
+              </a:ext>
+            </a:extLst>
+          </p:cNvPr>
+          <p:cNvSpPr/>
+          <p:nvPr/>
+        </p:nvSpPr>
+        <p:spPr>
+          <a:xfrm>
+            <a:off x="6448697" y="1410789"/>
+            <a:ext cx="1288868" cy="975360"/>
+          </a:xfrm>
+          <a:prstGeom prst="rect">
+            <a:avLst/>
+          </a:prstGeom>
+        </p:spPr>
+        <p:style>
+          <a:lnRef idx="2">
+            <a:schemeClr val="accent1">
+              <a:shade val="50000"/>
+            </a:schemeClr>
+          </a:lnRef>
+          <a:fillRef idx="1">
+            <a:schemeClr val="accent1"/>
+          </a:fillRef>
+          <a:effectRef idx="0">
+            <a:schemeClr val="accent1"/>
+          </a:effectRef>
+          <a:fontRef idx="minor">
+            <a:schemeClr val="lt1"/>
+          </a:fontRef>
+        </p:style>
+        <p:txBody>
+          <a:bodyPr rtlCol="0" anchor="ctr"/>
+          <a:lstStyle/>
+          <a:p>
+            <a:pPr algn="ctr"/>
+            <a:r>
+              <a:rPr lang="en-US" sz="1600" dirty="0"/>
+              <a:t>Feature Engineering</a:t>
+            </a:r>
+          </a:p>
+        </p:txBody>
+      </p:sp>
+      <p:sp>
+        <p:nvSpPr>
+          <p:cNvPr id="8" name="Rectangle 7">
+            <a:extLst>
+              <a:ext uri="{FF2B5EF4-FFF2-40B4-BE49-F238E27FC236}">
+                <a16:creationId xmlns:a16="http://schemas.microsoft.com/office/drawing/2014/main" id="{F795E953-385A-40CA-8F3C-0E5BB3407CAC}"/>
+              </a:ext>
+            </a:extLst>
+          </p:cNvPr>
+          <p:cNvSpPr/>
+          <p:nvPr/>
+        </p:nvSpPr>
+        <p:spPr>
+          <a:xfrm>
+            <a:off x="5708468" y="2699658"/>
+            <a:ext cx="1288868" cy="975360"/>
+          </a:xfrm>
+          <a:prstGeom prst="rect">
+            <a:avLst/>
+          </a:prstGeom>
+        </p:spPr>
+        <p:style>
+          <a:lnRef idx="2">
+            <a:schemeClr val="accent1">
+              <a:shade val="50000"/>
+            </a:schemeClr>
+          </a:lnRef>
+          <a:fillRef idx="1">
+            <a:schemeClr val="accent1"/>
+          </a:fillRef>
+          <a:effectRef idx="0">
+            <a:schemeClr val="accent1"/>
+          </a:effectRef>
+          <a:fontRef idx="minor">
+            <a:schemeClr val="lt1"/>
+          </a:fontRef>
+        </p:style>
+        <p:txBody>
+          <a:bodyPr rtlCol="0" anchor="ctr"/>
+          <a:lstStyle/>
+          <a:p>
+            <a:pPr algn="ctr"/>
+            <a:r>
+              <a:rPr lang="en-US" sz="1600" dirty="0"/>
+              <a:t>Building &amp; Selecting Model</a:t>
+            </a:r>
+          </a:p>
+        </p:txBody>
+      </p:sp>
+      <p:sp>
+        <p:nvSpPr>
+          <p:cNvPr id="10" name="Rectangle 9">
+            <a:extLst>
+              <a:ext uri="{FF2B5EF4-FFF2-40B4-BE49-F238E27FC236}">
+                <a16:creationId xmlns:a16="http://schemas.microsoft.com/office/drawing/2014/main" id="{49233E16-302A-4D1F-9F32-7EC276D1AED4}"/>
+              </a:ext>
+            </a:extLst>
+          </p:cNvPr>
+          <p:cNvSpPr/>
+          <p:nvPr/>
+        </p:nvSpPr>
+        <p:spPr>
+          <a:xfrm>
+            <a:off x="3775166" y="2690352"/>
+            <a:ext cx="1288868" cy="975360"/>
+          </a:xfrm>
+          <a:prstGeom prst="rect">
+            <a:avLst/>
+          </a:prstGeom>
+        </p:spPr>
+        <p:style>
+          <a:lnRef idx="2">
+            <a:schemeClr val="accent1">
+              <a:shade val="50000"/>
+            </a:schemeClr>
+          </a:lnRef>
+          <a:fillRef idx="1">
+            <a:schemeClr val="accent1"/>
+          </a:fillRef>
+          <a:effectRef idx="0">
+            <a:schemeClr val="accent1"/>
+          </a:effectRef>
+          <a:fontRef idx="minor">
+            <a:schemeClr val="lt1"/>
+          </a:fontRef>
+        </p:style>
+        <p:txBody>
+          <a:bodyPr rtlCol="0" anchor="ctr"/>
+          <a:lstStyle/>
+          <a:p>
+            <a:pPr algn="ctr"/>
+            <a:r>
+              <a:rPr lang="en-US" sz="1400" dirty="0"/>
+              <a:t>Make Predictions &amp; Evaluate Results</a:t>
+            </a:r>
+          </a:p>
+        </p:txBody>
+      </p:sp>
+      <p:sp>
+        <p:nvSpPr>
+          <p:cNvPr id="11" name="Rectangle 10">
+            <a:extLst>
+              <a:ext uri="{FF2B5EF4-FFF2-40B4-BE49-F238E27FC236}">
+                <a16:creationId xmlns:a16="http://schemas.microsoft.com/office/drawing/2014/main" id="{B980CB62-D1DE-4AEC-932F-42F0886F255A}"/>
+              </a:ext>
+            </a:extLst>
+          </p:cNvPr>
+          <p:cNvSpPr/>
+          <p:nvPr/>
+        </p:nvSpPr>
+        <p:spPr>
+          <a:xfrm>
+            <a:off x="1741714" y="2699658"/>
+            <a:ext cx="1288868" cy="975360"/>
+          </a:xfrm>
+          <a:prstGeom prst="rect">
+            <a:avLst/>
+          </a:prstGeom>
+        </p:spPr>
+        <p:style>
+          <a:lnRef idx="2">
+            <a:schemeClr val="accent1">
+              <a:shade val="50000"/>
+            </a:schemeClr>
+          </a:lnRef>
+          <a:fillRef idx="1">
+            <a:schemeClr val="accent1"/>
+          </a:fillRef>
+          <a:effectRef idx="0">
+            <a:schemeClr val="accent1"/>
+          </a:effectRef>
+          <a:fontRef idx="minor">
+            <a:schemeClr val="lt1"/>
+          </a:fontRef>
+        </p:style>
+        <p:txBody>
+          <a:bodyPr rtlCol="0" anchor="ctr"/>
+          <a:lstStyle/>
+          <a:p>
+            <a:pPr algn="ctr"/>
+            <a:r>
+              <a:rPr lang="en-US" sz="1600" dirty="0"/>
+              <a:t>Generate Report</a:t>
+            </a:r>
+          </a:p>
+        </p:txBody>
+      </p:sp>
+      <p:cxnSp>
+        <p:nvCxnSpPr>
+          <p:cNvPr id="12" name="Straight Arrow Connector 11">
+            <a:extLst>
+              <a:ext uri="{FF2B5EF4-FFF2-40B4-BE49-F238E27FC236}">
+                <a16:creationId xmlns:a16="http://schemas.microsoft.com/office/drawing/2014/main" id="{DAB5F4BE-8ACA-4638-BC0F-19308FE80BD5}"/>
+              </a:ext>
+            </a:extLst>
+          </p:cNvPr>
+          <p:cNvCxnSpPr>
+            <a:stCxn id="3" idx="3"/>
+            <a:endCxn id="5" idx="1"/>
+          </p:cNvCxnSpPr>
+          <p:nvPr/>
+        </p:nvCxnSpPr>
+        <p:spPr>
+          <a:xfrm>
+            <a:off x="2351314" y="1898469"/>
+            <a:ext cx="596537" cy="0"/>
+          </a:xfrm>
+          <a:prstGeom prst="straightConnector1">
+            <a:avLst/>
+          </a:prstGeom>
+          <a:ln w="28575">
+            <a:tailEnd type="triangle"/>
+          </a:ln>
+        </p:spPr>
+        <p:style>
+          <a:lnRef idx="1">
+            <a:schemeClr val="dk1"/>
+          </a:lnRef>
+          <a:fillRef idx="0">
+            <a:schemeClr val="dk1"/>
+          </a:fillRef>
+          <a:effectRef idx="0">
+            <a:schemeClr val="dk1"/>
+          </a:effectRef>
+          <a:fontRef idx="minor">
+            <a:schemeClr val="tx1"/>
+          </a:fontRef>
+        </p:style>
+      </p:cxnSp>
+      <p:cxnSp>
+        <p:nvCxnSpPr>
+          <p:cNvPr id="14" name="Straight Arrow Connector 13">
+            <a:extLst>
+              <a:ext uri="{FF2B5EF4-FFF2-40B4-BE49-F238E27FC236}">
+                <a16:creationId xmlns:a16="http://schemas.microsoft.com/office/drawing/2014/main" id="{DEF4B72F-DD13-4F71-8798-3DEF20B9878D}"/>
+              </a:ext>
+            </a:extLst>
+          </p:cNvPr>
+          <p:cNvCxnSpPr/>
+          <p:nvPr/>
+        </p:nvCxnSpPr>
+        <p:spPr>
+          <a:xfrm>
+            <a:off x="4167051" y="1898469"/>
+            <a:ext cx="596537" cy="0"/>
+          </a:xfrm>
+          <a:prstGeom prst="straightConnector1">
+            <a:avLst/>
+          </a:prstGeom>
+          <a:ln w="28575">
+            <a:tailEnd type="triangle"/>
+          </a:ln>
+        </p:spPr>
+        <p:style>
+          <a:lnRef idx="1">
+            <a:schemeClr val="dk1"/>
+          </a:lnRef>
+          <a:fillRef idx="0">
+            <a:schemeClr val="dk1"/>
+          </a:fillRef>
+          <a:effectRef idx="0">
+            <a:schemeClr val="dk1"/>
+          </a:effectRef>
+          <a:fontRef idx="minor">
+            <a:schemeClr val="tx1"/>
+          </a:fontRef>
+        </p:style>
+      </p:cxnSp>
+      <p:cxnSp>
+        <p:nvCxnSpPr>
+          <p:cNvPr id="15" name="Straight Arrow Connector 14">
+            <a:extLst>
+              <a:ext uri="{FF2B5EF4-FFF2-40B4-BE49-F238E27FC236}">
+                <a16:creationId xmlns:a16="http://schemas.microsoft.com/office/drawing/2014/main" id="{F6C07EAB-0C18-42D1-BC50-8F18105C85C4}"/>
+              </a:ext>
+            </a:extLst>
+          </p:cNvPr>
+          <p:cNvCxnSpPr/>
+          <p:nvPr/>
+        </p:nvCxnSpPr>
+        <p:spPr>
+          <a:xfrm>
+            <a:off x="5852160" y="1898469"/>
+            <a:ext cx="596537" cy="0"/>
+          </a:xfrm>
+          <a:prstGeom prst="straightConnector1">
+            <a:avLst/>
+          </a:prstGeom>
+          <a:ln w="28575">
+            <a:tailEnd type="triangle"/>
+          </a:ln>
+        </p:spPr>
+        <p:style>
+          <a:lnRef idx="1">
+            <a:schemeClr val="dk1"/>
+          </a:lnRef>
+          <a:fillRef idx="0">
+            <a:schemeClr val="dk1"/>
+          </a:fillRef>
+          <a:effectRef idx="0">
+            <a:schemeClr val="dk1"/>
+          </a:effectRef>
+          <a:fontRef idx="minor">
+            <a:schemeClr val="tx1"/>
+          </a:fontRef>
+        </p:style>
+      </p:cxnSp>
+      <p:cxnSp>
+        <p:nvCxnSpPr>
+          <p:cNvPr id="16" name="Straight Arrow Connector 15">
+            <a:extLst>
+              <a:ext uri="{FF2B5EF4-FFF2-40B4-BE49-F238E27FC236}">
+                <a16:creationId xmlns:a16="http://schemas.microsoft.com/office/drawing/2014/main" id="{C66C5662-A35F-4816-87FA-AB2B3530ACF5}"/>
+              </a:ext>
+            </a:extLst>
+          </p:cNvPr>
+          <p:cNvCxnSpPr>
+            <a:cxnSpLocks/>
+            <a:endCxn id="8" idx="0"/>
+          </p:cNvCxnSpPr>
+          <p:nvPr/>
+        </p:nvCxnSpPr>
+        <p:spPr>
+          <a:xfrm flipH="1">
+            <a:off x="6352902" y="2386149"/>
+            <a:ext cx="492035" cy="313509"/>
+          </a:xfrm>
+          <a:prstGeom prst="straightConnector1">
+            <a:avLst/>
+          </a:prstGeom>
+          <a:ln w="28575">
+            <a:tailEnd type="triangle"/>
+          </a:ln>
+        </p:spPr>
+        <p:style>
+          <a:lnRef idx="1">
+            <a:schemeClr val="dk1"/>
+          </a:lnRef>
+          <a:fillRef idx="0">
+            <a:schemeClr val="dk1"/>
+          </a:fillRef>
+          <a:effectRef idx="0">
+            <a:schemeClr val="dk1"/>
+          </a:effectRef>
+          <a:fontRef idx="minor">
+            <a:schemeClr val="tx1"/>
+          </a:fontRef>
+        </p:style>
+      </p:cxnSp>
+      <p:cxnSp>
+        <p:nvCxnSpPr>
+          <p:cNvPr id="18" name="Straight Arrow Connector 17">
+            <a:extLst>
+              <a:ext uri="{FF2B5EF4-FFF2-40B4-BE49-F238E27FC236}">
+                <a16:creationId xmlns:a16="http://schemas.microsoft.com/office/drawing/2014/main" id="{0ED8C22B-77AA-4334-A2A2-9A464D3E4EFB}"/>
+              </a:ext>
+            </a:extLst>
+          </p:cNvPr>
+          <p:cNvCxnSpPr>
+            <a:cxnSpLocks/>
+          </p:cNvCxnSpPr>
+          <p:nvPr/>
+        </p:nvCxnSpPr>
+        <p:spPr>
+          <a:xfrm flipH="1">
+            <a:off x="5064034" y="3178032"/>
+            <a:ext cx="590007" cy="0"/>
+          </a:xfrm>
+          <a:prstGeom prst="straightConnector1">
+            <a:avLst/>
+          </a:prstGeom>
+          <a:ln w="28575">
+            <a:tailEnd type="triangle"/>
+          </a:ln>
+        </p:spPr>
+        <p:style>
+          <a:lnRef idx="1">
+            <a:schemeClr val="dk1"/>
+          </a:lnRef>
+          <a:fillRef idx="0">
+            <a:schemeClr val="dk1"/>
+          </a:fillRef>
+          <a:effectRef idx="0">
+            <a:schemeClr val="dk1"/>
+          </a:effectRef>
+          <a:fontRef idx="minor">
+            <a:schemeClr val="tx1"/>
+          </a:fontRef>
+        </p:style>
+      </p:cxnSp>
+      <p:cxnSp>
+        <p:nvCxnSpPr>
+          <p:cNvPr id="23" name="Straight Arrow Connector 22">
+            <a:extLst>
+              <a:ext uri="{FF2B5EF4-FFF2-40B4-BE49-F238E27FC236}">
+                <a16:creationId xmlns:a16="http://schemas.microsoft.com/office/drawing/2014/main" id="{393340CF-AA82-4880-9C9D-3068AD80A599}"/>
+              </a:ext>
+            </a:extLst>
+          </p:cNvPr>
+          <p:cNvCxnSpPr>
+            <a:cxnSpLocks/>
+            <a:stCxn id="10" idx="1"/>
+            <a:endCxn id="11" idx="3"/>
+          </p:cNvCxnSpPr>
+          <p:nvPr/>
+        </p:nvCxnSpPr>
+        <p:spPr>
+          <a:xfrm flipH="1">
+            <a:off x="3030582" y="3178032"/>
+            <a:ext cx="744584" cy="9306"/>
+          </a:xfrm>
+          <a:prstGeom prst="straightConnector1">
+            <a:avLst/>
+          </a:prstGeom>
+          <a:ln w="28575">
+            <a:tailEnd type="triangle"/>
+          </a:ln>
+        </p:spPr>
+        <p:style>
+          <a:lnRef idx="1">
+            <a:schemeClr val="dk1"/>
+          </a:lnRef>
+          <a:fillRef idx="0">
+            <a:schemeClr val="dk1"/>
+          </a:fillRef>
+          <a:effectRef idx="0">
+            <a:schemeClr val="dk1"/>
+          </a:effectRef>
+          <a:fontRef idx="minor">
+            <a:schemeClr val="tx1"/>
+          </a:fontRef>
+        </p:style>
+      </p:cxnSp>
+      <p:cxnSp>
+        <p:nvCxnSpPr>
+          <p:cNvPr id="25" name="Straight Arrow Connector 24">
+            <a:extLst>
+              <a:ext uri="{FF2B5EF4-FFF2-40B4-BE49-F238E27FC236}">
+                <a16:creationId xmlns:a16="http://schemas.microsoft.com/office/drawing/2014/main" id="{7CDFD207-D9C9-4005-8EA9-E4897F610D27}"/>
+              </a:ext>
+            </a:extLst>
+          </p:cNvPr>
+          <p:cNvCxnSpPr>
+            <a:cxnSpLocks/>
+          </p:cNvCxnSpPr>
+          <p:nvPr/>
+        </p:nvCxnSpPr>
+        <p:spPr>
+          <a:xfrm flipV="1">
+            <a:off x="6598919" y="2369278"/>
+            <a:ext cx="494213" cy="311768"/>
+          </a:xfrm>
+          <a:prstGeom prst="straightConnector1">
+            <a:avLst/>
+          </a:prstGeom>
+          <a:ln w="28575">
+            <a:tailEnd type="triangle"/>
+          </a:ln>
+        </p:spPr>
+        <p:style>
+          <a:lnRef idx="1">
+            <a:schemeClr val="dk1"/>
+          </a:lnRef>
+          <a:fillRef idx="0">
+            <a:schemeClr val="dk1"/>
+          </a:fillRef>
+          <a:effectRef idx="0">
+            <a:schemeClr val="dk1"/>
+          </a:effectRef>
+          <a:fontRef idx="minor">
+            <a:schemeClr val="tx1"/>
+          </a:fontRef>
+        </p:style>
+      </p:cxnSp>
     </p:spTree>
     <p:extLst>
       <p:ext uri="{BB962C8B-B14F-4D97-AF65-F5344CB8AC3E}">
@@ -9579,7 +10227,7 @@
                   <a:schemeClr val="tx1"/>
                 </a:solidFill>
               </a:rPr>
-              <a:t>Amount of the given credit (NT dollar) - it includes both the individual consumer credit and his/her family (supplementary) credit.</a:t>
+              <a:t>X1: Amount of the given credit (NT dollar) - it includes both the individual consumer credit and his/her family (supplementary) credit.</a:t>
             </a:r>
           </a:p>
           <a:p>
@@ -9589,7 +10237,7 @@
                   <a:schemeClr val="tx1"/>
                 </a:solidFill>
               </a:rPr>
-              <a:t>Gender - 1 = male; 2 = female</a:t>
+              <a:t>X2: Gender - 1 = male; 2 = female</a:t>
             </a:r>
           </a:p>
           <a:p>
@@ -9599,7 +10247,7 @@
                   <a:schemeClr val="tx1"/>
                 </a:solidFill>
               </a:rPr>
-              <a:t>Education - 1 = graduate school; 2 = university; 3 = high school; 0, 4, 5, 6 = others</a:t>
+              <a:t>X3: Education - 1 = graduate school; 2 = university; 3 = high school; 0, 4, 5, 6 = others</a:t>
             </a:r>
           </a:p>
           <a:p>
@@ -9609,7 +10257,7 @@
                   <a:schemeClr val="tx1"/>
                 </a:solidFill>
               </a:rPr>
-              <a:t>Marital status - 1 = married; 2 = single; 3 = divorce; 0=others</a:t>
+              <a:t>X4: Marital status - 1 = married; 2 = single; 3 = divorce; 0=others</a:t>
             </a:r>
           </a:p>
           <a:p>
@@ -9619,7 +10267,7 @@
                   <a:schemeClr val="tx1"/>
                 </a:solidFill>
               </a:rPr>
-              <a:t>Age (year)</a:t>
+              <a:t>X5: Age</a:t>
             </a:r>
           </a:p>
           <a:p>
@@ -9629,7 +10277,7 @@
                   <a:schemeClr val="tx1"/>
                 </a:solidFill>
               </a:rPr>
-              <a:t>History of past payment from April to September 2005</a:t>
+              <a:t>X6-X11: History of past payment from April to September 2005 (in reverse chronological order)</a:t>
             </a:r>
           </a:p>
           <a:p>
@@ -9683,7 +10331,7 @@
                   <a:schemeClr val="tx1"/>
                 </a:solidFill>
               </a:rPr>
-              <a:t>Amount of bill statement (NT dollar) from April to September 2005</a:t>
+              <a:t>X12-X17: Amount of bill statement (NT dollar) from April to September 2005 (in reverse chronological order)</a:t>
             </a:r>
           </a:p>
           <a:p>
@@ -9693,7 +10341,7 @@
                   <a:schemeClr val="tx1"/>
                 </a:solidFill>
               </a:rPr>
-              <a:t>Amount of previous payment (NT dollar) from April to September 2005 </a:t>
+              <a:t>X18-X23: Amount of previous payment (NT dollar) from April to September 2005 (in reverse chronological order)</a:t>
             </a:r>
           </a:p>
           <a:p>
@@ -9725,6 +10373,2389 @@
     <p:extLst>
       <p:ext uri="{BB962C8B-B14F-4D97-AF65-F5344CB8AC3E}">
         <p14:creationId xmlns:p14="http://schemas.microsoft.com/office/powerpoint/2010/main" val="3509222824"/>
+      </p:ext>
+    </p:extLst>
+  </p:cSld>
+  <p:clrMapOvr>
+    <a:masterClrMapping/>
+  </p:clrMapOvr>
+</p:sld>
+</file>
+
+<file path=ppt/slides/slide5.xml><?xml version="1.0" encoding="utf-8"?>
+<p:sld xmlns:a="http://schemas.openxmlformats.org/drawingml/2006/main" xmlns:r="http://schemas.openxmlformats.org/officeDocument/2006/relationships" xmlns:p="http://schemas.openxmlformats.org/presentationml/2006/main">
+  <p:cSld>
+    <p:spTree>
+      <p:nvGrpSpPr>
+        <p:cNvPr id="1" name=""/>
+        <p:cNvGrpSpPr/>
+        <p:nvPr/>
+      </p:nvGrpSpPr>
+      <p:grpSpPr>
+        <a:xfrm>
+          <a:off x="0" y="0"/>
+          <a:ext cx="0" cy="0"/>
+          <a:chOff x="0" y="0"/>
+          <a:chExt cx="0" cy="0"/>
+        </a:xfrm>
+      </p:grpSpPr>
+      <p:sp>
+        <p:nvSpPr>
+          <p:cNvPr id="2" name="Title 1">
+            <a:extLst>
+              <a:ext uri="{FF2B5EF4-FFF2-40B4-BE49-F238E27FC236}">
+                <a16:creationId xmlns:a16="http://schemas.microsoft.com/office/drawing/2014/main" id="{BCB960EB-F48E-4D53-884B-224C1E0024BB}"/>
+              </a:ext>
+            </a:extLst>
+          </p:cNvPr>
+          <p:cNvSpPr>
+            <a:spLocks noGrp="1"/>
+          </p:cNvSpPr>
+          <p:nvPr>
+            <p:ph type="title"/>
+          </p:nvPr>
+        </p:nvSpPr>
+        <p:spPr/>
+        <p:txBody>
+          <a:bodyPr/>
+          <a:lstStyle/>
+          <a:p>
+            <a:r>
+              <a:rPr lang="en-US" dirty="0"/>
+              <a:t>Data Pre-processing</a:t>
+            </a:r>
+          </a:p>
+        </p:txBody>
+      </p:sp>
+      <p:sp>
+        <p:nvSpPr>
+          <p:cNvPr id="3" name="Content Placeholder 2">
+            <a:extLst>
+              <a:ext uri="{FF2B5EF4-FFF2-40B4-BE49-F238E27FC236}">
+                <a16:creationId xmlns:a16="http://schemas.microsoft.com/office/drawing/2014/main" id="{D7F440BD-F24B-41AE-BF0C-9EE5953D7DEB}"/>
+              </a:ext>
+            </a:extLst>
+          </p:cNvPr>
+          <p:cNvSpPr>
+            <a:spLocks noGrp="1"/>
+          </p:cNvSpPr>
+          <p:nvPr>
+            <p:ph sz="half" idx="1"/>
+          </p:nvPr>
+        </p:nvSpPr>
+        <p:spPr>
+          <a:xfrm>
+            <a:off x="677334" y="1270000"/>
+            <a:ext cx="9067558" cy="5257800"/>
+          </a:xfrm>
+        </p:spPr>
+        <p:txBody>
+          <a:bodyPr>
+            <a:noAutofit/>
+          </a:bodyPr>
+          <a:lstStyle/>
+          <a:p>
+            <a:r>
+              <a:rPr lang="en-US" sz="1400" dirty="0">
+                <a:solidFill>
+                  <a:schemeClr val="tx1"/>
+                </a:solidFill>
+              </a:rPr>
+              <a:t>X1: Amount of the given credit (NT dollar) - Divide data into the following groups:</a:t>
+            </a:r>
+          </a:p>
+          <a:p>
+            <a:pPr lvl="1"/>
+            <a:r>
+              <a:rPr lang="en-US" sz="1100" dirty="0">
+                <a:solidFill>
+                  <a:schemeClr val="tx1"/>
+                </a:solidFill>
+              </a:rPr>
+              <a:t>0: &lt;100k</a:t>
+            </a:r>
+          </a:p>
+          <a:p>
+            <a:pPr lvl="1"/>
+            <a:r>
+              <a:rPr lang="en-US" sz="1100" dirty="0">
+                <a:solidFill>
+                  <a:schemeClr val="tx1"/>
+                </a:solidFill>
+              </a:rPr>
+              <a:t>1: 100k-190k</a:t>
+            </a:r>
+          </a:p>
+          <a:p>
+            <a:pPr lvl="1"/>
+            <a:r>
+              <a:rPr lang="en-US" sz="1100" dirty="0">
+                <a:solidFill>
+                  <a:schemeClr val="tx1"/>
+                </a:solidFill>
+              </a:rPr>
+              <a:t>2: 200k-290k</a:t>
+            </a:r>
+          </a:p>
+          <a:p>
+            <a:pPr lvl="1"/>
+            <a:r>
+              <a:rPr lang="en-US" sz="1100" dirty="0">
+                <a:solidFill>
+                  <a:schemeClr val="tx1"/>
+                </a:solidFill>
+              </a:rPr>
+              <a:t>3: 300k-190k</a:t>
+            </a:r>
+          </a:p>
+          <a:p>
+            <a:pPr lvl="1"/>
+            <a:r>
+              <a:rPr lang="en-US" sz="1100" dirty="0">
+                <a:solidFill>
+                  <a:schemeClr val="tx1"/>
+                </a:solidFill>
+              </a:rPr>
+              <a:t>4: 400k+</a:t>
+            </a:r>
+          </a:p>
+          <a:p>
+            <a:r>
+              <a:rPr lang="en-US" sz="1400" dirty="0">
+                <a:solidFill>
+                  <a:schemeClr val="tx1"/>
+                </a:solidFill>
+              </a:rPr>
+              <a:t>X3: Education – Combine 0, 4, 5, 6 into one group (group 0) for others</a:t>
+            </a:r>
+          </a:p>
+          <a:p>
+            <a:r>
+              <a:rPr lang="en-US" sz="1400" dirty="0">
+                <a:solidFill>
+                  <a:schemeClr val="tx1"/>
+                </a:solidFill>
+              </a:rPr>
+              <a:t>X5: Age – divide age into the following groups:</a:t>
+            </a:r>
+          </a:p>
+          <a:p>
+            <a:pPr lvl="1"/>
+            <a:r>
+              <a:rPr lang="en-US" sz="1100" dirty="0">
+                <a:solidFill>
+                  <a:schemeClr val="tx1"/>
+                </a:solidFill>
+              </a:rPr>
+              <a:t>0: &lt;30</a:t>
+            </a:r>
+          </a:p>
+          <a:p>
+            <a:pPr lvl="1"/>
+            <a:r>
+              <a:rPr lang="en-US" sz="1100" dirty="0">
+                <a:solidFill>
+                  <a:schemeClr val="tx1"/>
+                </a:solidFill>
+              </a:rPr>
+              <a:t>1: 30-39</a:t>
+            </a:r>
+          </a:p>
+          <a:p>
+            <a:pPr lvl="1"/>
+            <a:r>
+              <a:rPr lang="en-US" sz="1100" dirty="0">
+                <a:solidFill>
+                  <a:schemeClr val="tx1"/>
+                </a:solidFill>
+              </a:rPr>
+              <a:t>2: 40-49</a:t>
+            </a:r>
+          </a:p>
+          <a:p>
+            <a:pPr lvl="1"/>
+            <a:r>
+              <a:rPr lang="en-US" sz="1100" dirty="0">
+                <a:solidFill>
+                  <a:schemeClr val="tx1"/>
+                </a:solidFill>
+              </a:rPr>
+              <a:t>3: 50+</a:t>
+            </a:r>
+          </a:p>
+        </p:txBody>
+      </p:sp>
+    </p:spTree>
+    <p:extLst>
+      <p:ext uri="{BB962C8B-B14F-4D97-AF65-F5344CB8AC3E}">
+        <p14:creationId xmlns:p14="http://schemas.microsoft.com/office/powerpoint/2010/main" val="1347860018"/>
+      </p:ext>
+    </p:extLst>
+  </p:cSld>
+  <p:clrMapOvr>
+    <a:masterClrMapping/>
+  </p:clrMapOvr>
+</p:sld>
+</file>
+
+<file path=ppt/slides/slide6.xml><?xml version="1.0" encoding="utf-8"?>
+<p:sld xmlns:a="http://schemas.openxmlformats.org/drawingml/2006/main" xmlns:r="http://schemas.openxmlformats.org/officeDocument/2006/relationships" xmlns:p="http://schemas.openxmlformats.org/presentationml/2006/main">
+  <p:cSld>
+    <p:bg>
+      <p:bgPr>
+        <a:solidFill>
+          <a:schemeClr val="bg1"/>
+        </a:solidFill>
+        <a:effectLst/>
+      </p:bgPr>
+    </p:bg>
+    <p:spTree>
+      <p:nvGrpSpPr>
+        <p:cNvPr id="1" name=""/>
+        <p:cNvGrpSpPr/>
+        <p:nvPr/>
+      </p:nvGrpSpPr>
+      <p:grpSpPr>
+        <a:xfrm>
+          <a:off x="0" y="0"/>
+          <a:ext cx="0" cy="0"/>
+          <a:chOff x="0" y="0"/>
+          <a:chExt cx="0" cy="0"/>
+        </a:xfrm>
+      </p:grpSpPr>
+      <p:grpSp>
+        <p:nvGrpSpPr>
+          <p:cNvPr id="35" name="Group 34">
+            <a:extLst>
+              <a:ext uri="{FF2B5EF4-FFF2-40B4-BE49-F238E27FC236}">
+                <a16:creationId xmlns:a16="http://schemas.microsoft.com/office/drawing/2014/main" id="{9FF4CE55-074C-45F7-8B47-9EA922C09F39}"/>
+              </a:ext>
+              <a:ext uri="{C183D7F6-B498-43B3-948B-1728B52AA6E4}">
+                <adec:decorative xmlns:adec="http://schemas.microsoft.com/office/drawing/2017/decorative" val="1"/>
+              </a:ext>
+            </a:extLst>
+          </p:cNvPr>
+          <p:cNvGrpSpPr>
+            <a:grpSpLocks noGrp="1" noUngrp="1" noRot="1" noChangeAspect="1" noMove="1" noResize="1"/>
+          </p:cNvGrpSpPr>
+          <p:nvPr>
+            <p:extLst>
+              <p:ext uri="{386F3935-93C4-4BCD-93E2-E3B085C9AB24}">
+                <p16:designElem xmlns:p16="http://schemas.microsoft.com/office/powerpoint/2015/main" val="1"/>
+              </p:ext>
+            </p:extLst>
+          </p:nvPr>
+        </p:nvGrpSpPr>
+        <p:grpSpPr>
+          <a:xfrm>
+            <a:off x="0" y="-8467"/>
+            <a:ext cx="12192000" cy="6866467"/>
+            <a:chOff x="0" y="-8467"/>
+            <a:chExt cx="12192000" cy="6866467"/>
+          </a:xfrm>
+        </p:grpSpPr>
+        <p:cxnSp>
+          <p:nvCxnSpPr>
+            <p:cNvPr id="36" name="Straight Connector 35">
+              <a:extLst>
+                <a:ext uri="{FF2B5EF4-FFF2-40B4-BE49-F238E27FC236}">
+                  <a16:creationId xmlns:a16="http://schemas.microsoft.com/office/drawing/2014/main" id="{1B693FD7-9DFC-424A-B2BF-67C37B10CE41}"/>
+                </a:ext>
+                <a:ext uri="{C183D7F6-B498-43B3-948B-1728B52AA6E4}">
+                  <adec:decorative xmlns:adec="http://schemas.microsoft.com/office/drawing/2017/decorative" val="1"/>
+                </a:ext>
+              </a:extLst>
+            </p:cNvPr>
+            <p:cNvCxnSpPr/>
+            <p:nvPr>
+              <p:extLst>
+                <p:ext uri="{386F3935-93C4-4BCD-93E2-E3B085C9AB24}">
+                  <p16:designElem xmlns:p16="http://schemas.microsoft.com/office/powerpoint/2015/main" val="1"/>
+                </p:ext>
+              </p:extLst>
+            </p:nvPr>
+          </p:nvCxnSpPr>
+          <p:spPr>
+            <a:xfrm>
+              <a:off x="9371012" y="0"/>
+              <a:ext cx="1219200" cy="6858000"/>
+            </a:xfrm>
+            <a:prstGeom prst="line">
+              <a:avLst/>
+            </a:prstGeom>
+            <a:ln w="9525">
+              <a:solidFill>
+                <a:schemeClr val="accent1">
+                  <a:alpha val="70000"/>
+                </a:schemeClr>
+              </a:solidFill>
+            </a:ln>
+          </p:spPr>
+          <p:style>
+            <a:lnRef idx="2">
+              <a:schemeClr val="accent1"/>
+            </a:lnRef>
+            <a:fillRef idx="0">
+              <a:schemeClr val="accent1"/>
+            </a:fillRef>
+            <a:effectRef idx="1">
+              <a:schemeClr val="accent1"/>
+            </a:effectRef>
+            <a:fontRef idx="minor">
+              <a:schemeClr val="tx1"/>
+            </a:fontRef>
+          </p:style>
+        </p:cxnSp>
+        <p:cxnSp>
+          <p:nvCxnSpPr>
+            <p:cNvPr id="37" name="Straight Connector 36">
+              <a:extLst>
+                <a:ext uri="{FF2B5EF4-FFF2-40B4-BE49-F238E27FC236}">
+                  <a16:creationId xmlns:a16="http://schemas.microsoft.com/office/drawing/2014/main" id="{D22611FC-7703-4A83-B7A2-96A0CA9DEA8F}"/>
+                </a:ext>
+                <a:ext uri="{C183D7F6-B498-43B3-948B-1728B52AA6E4}">
+                  <adec:decorative xmlns:adec="http://schemas.microsoft.com/office/drawing/2017/decorative" val="1"/>
+                </a:ext>
+              </a:extLst>
+            </p:cNvPr>
+            <p:cNvCxnSpPr/>
+            <p:nvPr>
+              <p:extLst>
+                <p:ext uri="{386F3935-93C4-4BCD-93E2-E3B085C9AB24}">
+                  <p16:designElem xmlns:p16="http://schemas.microsoft.com/office/powerpoint/2015/main" val="1"/>
+                </p:ext>
+              </p:extLst>
+            </p:nvPr>
+          </p:nvCxnSpPr>
+          <p:spPr>
+            <a:xfrm flipH="1">
+              <a:off x="7425267" y="3681413"/>
+              <a:ext cx="4763558" cy="3176587"/>
+            </a:xfrm>
+            <a:prstGeom prst="line">
+              <a:avLst/>
+            </a:prstGeom>
+            <a:ln w="9525">
+              <a:solidFill>
+                <a:schemeClr val="accent1">
+                  <a:alpha val="70000"/>
+                </a:schemeClr>
+              </a:solidFill>
+            </a:ln>
+          </p:spPr>
+          <p:style>
+            <a:lnRef idx="2">
+              <a:schemeClr val="accent1"/>
+            </a:lnRef>
+            <a:fillRef idx="0">
+              <a:schemeClr val="accent1"/>
+            </a:fillRef>
+            <a:effectRef idx="1">
+              <a:schemeClr val="accent1"/>
+            </a:effectRef>
+            <a:fontRef idx="minor">
+              <a:schemeClr val="tx1"/>
+            </a:fontRef>
+          </p:style>
+        </p:cxnSp>
+        <p:sp>
+          <p:nvSpPr>
+            <p:cNvPr id="38" name="Rectangle 23">
+              <a:extLst>
+                <a:ext uri="{FF2B5EF4-FFF2-40B4-BE49-F238E27FC236}">
+                  <a16:creationId xmlns:a16="http://schemas.microsoft.com/office/drawing/2014/main" id="{EC590B4F-359C-4E37-8EC7-4E1401F8D6C9}"/>
+                </a:ext>
+                <a:ext uri="{C183D7F6-B498-43B3-948B-1728B52AA6E4}">
+                  <adec:decorative xmlns:adec="http://schemas.microsoft.com/office/drawing/2017/decorative" val="1"/>
+                </a:ext>
+              </a:extLst>
+            </p:cNvPr>
+            <p:cNvSpPr/>
+            <p:nvPr>
+              <p:extLst>
+                <p:ext uri="{386F3935-93C4-4BCD-93E2-E3B085C9AB24}">
+                  <p16:designElem xmlns:p16="http://schemas.microsoft.com/office/powerpoint/2015/main" val="1"/>
+                </p:ext>
+              </p:extLst>
+            </p:nvPr>
+          </p:nvSpPr>
+          <p:spPr>
+            <a:xfrm>
+              <a:off x="9181476" y="-8467"/>
+              <a:ext cx="3007349" cy="6866467"/>
+            </a:xfrm>
+            <a:custGeom>
+              <a:avLst/>
+              <a:gdLst/>
+              <a:ahLst/>
+              <a:cxnLst/>
+              <a:rect l="l" t="t" r="r" b="b"/>
+              <a:pathLst>
+                <a:path w="3007349" h="6866467">
+                  <a:moveTo>
+                    <a:pt x="2045532" y="0"/>
+                  </a:moveTo>
+                  <a:lnTo>
+                    <a:pt x="3007349" y="0"/>
+                  </a:lnTo>
+                  <a:lnTo>
+                    <a:pt x="3007349" y="6866467"/>
+                  </a:lnTo>
+                  <a:lnTo>
+                    <a:pt x="0" y="6866467"/>
+                  </a:lnTo>
+                  <a:lnTo>
+                    <a:pt x="2045532" y="0"/>
+                  </a:lnTo>
+                  <a:close/>
+                </a:path>
+              </a:pathLst>
+            </a:custGeom>
+            <a:solidFill>
+              <a:schemeClr val="accent1">
+                <a:alpha val="36000"/>
+              </a:schemeClr>
+            </a:solidFill>
+            <a:ln>
+              <a:noFill/>
+            </a:ln>
+            <a:effectLst/>
+          </p:spPr>
+          <p:style>
+            <a:lnRef idx="1">
+              <a:schemeClr val="accent1"/>
+            </a:lnRef>
+            <a:fillRef idx="3">
+              <a:schemeClr val="accent1"/>
+            </a:fillRef>
+            <a:effectRef idx="2">
+              <a:schemeClr val="accent1"/>
+            </a:effectRef>
+            <a:fontRef idx="minor">
+              <a:schemeClr val="lt1"/>
+            </a:fontRef>
+          </p:style>
+        </p:sp>
+        <p:sp>
+          <p:nvSpPr>
+            <p:cNvPr id="39" name="Rectangle 25">
+              <a:extLst>
+                <a:ext uri="{FF2B5EF4-FFF2-40B4-BE49-F238E27FC236}">
+                  <a16:creationId xmlns:a16="http://schemas.microsoft.com/office/drawing/2014/main" id="{09C4704D-63DD-4634-B7DD-0CD0606076B7}"/>
+                </a:ext>
+                <a:ext uri="{C183D7F6-B498-43B3-948B-1728B52AA6E4}">
+                  <adec:decorative xmlns:adec="http://schemas.microsoft.com/office/drawing/2017/decorative" val="1"/>
+                </a:ext>
+              </a:extLst>
+            </p:cNvPr>
+            <p:cNvSpPr/>
+            <p:nvPr>
+              <p:extLst>
+                <p:ext uri="{386F3935-93C4-4BCD-93E2-E3B085C9AB24}">
+                  <p16:designElem xmlns:p16="http://schemas.microsoft.com/office/powerpoint/2015/main" val="1"/>
+                </p:ext>
+              </p:extLst>
+            </p:nvPr>
+          </p:nvSpPr>
+          <p:spPr>
+            <a:xfrm>
+              <a:off x="9603442" y="-8467"/>
+              <a:ext cx="2588558" cy="6866467"/>
+            </a:xfrm>
+            <a:custGeom>
+              <a:avLst/>
+              <a:gdLst/>
+              <a:ahLst/>
+              <a:cxnLst/>
+              <a:rect l="l" t="t" r="r" b="b"/>
+              <a:pathLst>
+                <a:path w="2573311" h="6866467">
+                  <a:moveTo>
+                    <a:pt x="0" y="0"/>
+                  </a:moveTo>
+                  <a:lnTo>
+                    <a:pt x="2573311" y="0"/>
+                  </a:lnTo>
+                  <a:lnTo>
+                    <a:pt x="2573311" y="6866467"/>
+                  </a:lnTo>
+                  <a:lnTo>
+                    <a:pt x="1202336" y="6866467"/>
+                  </a:lnTo>
+                  <a:lnTo>
+                    <a:pt x="0" y="0"/>
+                  </a:lnTo>
+                  <a:close/>
+                </a:path>
+              </a:pathLst>
+            </a:custGeom>
+            <a:solidFill>
+              <a:schemeClr val="accent1">
+                <a:alpha val="20000"/>
+              </a:schemeClr>
+            </a:solidFill>
+            <a:ln>
+              <a:noFill/>
+            </a:ln>
+            <a:effectLst/>
+          </p:spPr>
+          <p:style>
+            <a:lnRef idx="1">
+              <a:schemeClr val="accent1"/>
+            </a:lnRef>
+            <a:fillRef idx="3">
+              <a:schemeClr val="accent1"/>
+            </a:fillRef>
+            <a:effectRef idx="2">
+              <a:schemeClr val="accent1"/>
+            </a:effectRef>
+            <a:fontRef idx="minor">
+              <a:schemeClr val="lt1"/>
+            </a:fontRef>
+          </p:style>
+        </p:sp>
+        <p:sp>
+          <p:nvSpPr>
+            <p:cNvPr id="40" name="Isosceles Triangle 39">
+              <a:extLst>
+                <a:ext uri="{FF2B5EF4-FFF2-40B4-BE49-F238E27FC236}">
+                  <a16:creationId xmlns:a16="http://schemas.microsoft.com/office/drawing/2014/main" id="{174C30B2-37CB-4938-8275-E2C723DDABCA}"/>
+                </a:ext>
+                <a:ext uri="{C183D7F6-B498-43B3-948B-1728B52AA6E4}">
+                  <adec:decorative xmlns:adec="http://schemas.microsoft.com/office/drawing/2017/decorative" val="1"/>
+                </a:ext>
+              </a:extLst>
+            </p:cNvPr>
+            <p:cNvSpPr/>
+            <p:nvPr>
+              <p:extLst>
+                <p:ext uri="{386F3935-93C4-4BCD-93E2-E3B085C9AB24}">
+                  <p16:designElem xmlns:p16="http://schemas.microsoft.com/office/powerpoint/2015/main" val="1"/>
+                </p:ext>
+              </p:extLst>
+            </p:nvPr>
+          </p:nvSpPr>
+          <p:spPr>
+            <a:xfrm>
+              <a:off x="8932333" y="3048000"/>
+              <a:ext cx="3259667" cy="3810000"/>
+            </a:xfrm>
+            <a:prstGeom prst="triangle">
+              <a:avLst>
+                <a:gd name="adj" fmla="val 100000"/>
+              </a:avLst>
+            </a:prstGeom>
+            <a:solidFill>
+              <a:schemeClr val="accent1">
+                <a:lumMod val="75000"/>
+                <a:alpha val="66000"/>
+              </a:schemeClr>
+            </a:solidFill>
+            <a:ln>
+              <a:noFill/>
+            </a:ln>
+            <a:effectLst/>
+          </p:spPr>
+          <p:style>
+            <a:lnRef idx="1">
+              <a:schemeClr val="accent1"/>
+            </a:lnRef>
+            <a:fillRef idx="3">
+              <a:schemeClr val="accent1"/>
+            </a:fillRef>
+            <a:effectRef idx="2">
+              <a:schemeClr val="accent1"/>
+            </a:effectRef>
+            <a:fontRef idx="minor">
+              <a:schemeClr val="lt1"/>
+            </a:fontRef>
+          </p:style>
+        </p:sp>
+        <p:sp>
+          <p:nvSpPr>
+            <p:cNvPr id="41" name="Rectangle 27">
+              <a:extLst>
+                <a:ext uri="{FF2B5EF4-FFF2-40B4-BE49-F238E27FC236}">
+                  <a16:creationId xmlns:a16="http://schemas.microsoft.com/office/drawing/2014/main" id="{089D3B44-1A86-4F96-BCE6-1480A3FC04EF}"/>
+                </a:ext>
+                <a:ext uri="{C183D7F6-B498-43B3-948B-1728B52AA6E4}">
+                  <adec:decorative xmlns:adec="http://schemas.microsoft.com/office/drawing/2017/decorative" val="1"/>
+                </a:ext>
+              </a:extLst>
+            </p:cNvPr>
+            <p:cNvSpPr/>
+            <p:nvPr>
+              <p:extLst>
+                <p:ext uri="{386F3935-93C4-4BCD-93E2-E3B085C9AB24}">
+                  <p16:designElem xmlns:p16="http://schemas.microsoft.com/office/powerpoint/2015/main" val="1"/>
+                </p:ext>
+              </p:extLst>
+            </p:nvPr>
+          </p:nvSpPr>
+          <p:spPr>
+            <a:xfrm>
+              <a:off x="9334500" y="-8467"/>
+              <a:ext cx="2854326" cy="6866467"/>
+            </a:xfrm>
+            <a:custGeom>
+              <a:avLst/>
+              <a:gdLst/>
+              <a:ahLst/>
+              <a:cxnLst/>
+              <a:rect l="l" t="t" r="r" b="b"/>
+              <a:pathLst>
+                <a:path w="2858013" h="6866467">
+                  <a:moveTo>
+                    <a:pt x="0" y="0"/>
+                  </a:moveTo>
+                  <a:lnTo>
+                    <a:pt x="2858013" y="0"/>
+                  </a:lnTo>
+                  <a:lnTo>
+                    <a:pt x="2858013" y="6866467"/>
+                  </a:lnTo>
+                  <a:lnTo>
+                    <a:pt x="2473942" y="6866467"/>
+                  </a:lnTo>
+                  <a:lnTo>
+                    <a:pt x="0" y="0"/>
+                  </a:lnTo>
+                  <a:close/>
+                </a:path>
+              </a:pathLst>
+            </a:custGeom>
+            <a:solidFill>
+              <a:schemeClr val="accent1">
+                <a:lumMod val="75000"/>
+                <a:alpha val="50000"/>
+              </a:schemeClr>
+            </a:solidFill>
+            <a:ln>
+              <a:noFill/>
+            </a:ln>
+            <a:effectLst/>
+          </p:spPr>
+          <p:style>
+            <a:lnRef idx="1">
+              <a:schemeClr val="accent1"/>
+            </a:lnRef>
+            <a:fillRef idx="3">
+              <a:schemeClr val="accent1"/>
+            </a:fillRef>
+            <a:effectRef idx="2">
+              <a:schemeClr val="accent1"/>
+            </a:effectRef>
+            <a:fontRef idx="minor">
+              <a:schemeClr val="lt1"/>
+            </a:fontRef>
+          </p:style>
+        </p:sp>
+        <p:sp>
+          <p:nvSpPr>
+            <p:cNvPr id="42" name="Rectangle 28">
+              <a:extLst>
+                <a:ext uri="{FF2B5EF4-FFF2-40B4-BE49-F238E27FC236}">
+                  <a16:creationId xmlns:a16="http://schemas.microsoft.com/office/drawing/2014/main" id="{5C9D5AB1-8613-4E4B-8493-677604271D09}"/>
+                </a:ext>
+                <a:ext uri="{C183D7F6-B498-43B3-948B-1728B52AA6E4}">
+                  <adec:decorative xmlns:adec="http://schemas.microsoft.com/office/drawing/2017/decorative" val="1"/>
+                </a:ext>
+              </a:extLst>
+            </p:cNvPr>
+            <p:cNvSpPr/>
+            <p:nvPr>
+              <p:extLst>
+                <p:ext uri="{386F3935-93C4-4BCD-93E2-E3B085C9AB24}">
+                  <p16:designElem xmlns:p16="http://schemas.microsoft.com/office/powerpoint/2015/main" val="1"/>
+                </p:ext>
+              </p:extLst>
+            </p:nvPr>
+          </p:nvSpPr>
+          <p:spPr>
+            <a:xfrm>
+              <a:off x="10898730" y="-8467"/>
+              <a:ext cx="1290094" cy="6866467"/>
+            </a:xfrm>
+            <a:custGeom>
+              <a:avLst/>
+              <a:gdLst/>
+              <a:ahLst/>
+              <a:cxnLst/>
+              <a:rect l="l" t="t" r="r" b="b"/>
+              <a:pathLst>
+                <a:path w="1290094" h="6858000">
+                  <a:moveTo>
+                    <a:pt x="1019735" y="0"/>
+                  </a:moveTo>
+                  <a:lnTo>
+                    <a:pt x="1290094" y="0"/>
+                  </a:lnTo>
+                  <a:lnTo>
+                    <a:pt x="1290094" y="6858000"/>
+                  </a:lnTo>
+                  <a:lnTo>
+                    <a:pt x="0" y="6858000"/>
+                  </a:lnTo>
+                  <a:lnTo>
+                    <a:pt x="1019735" y="0"/>
+                  </a:lnTo>
+                  <a:close/>
+                </a:path>
+              </a:pathLst>
+            </a:custGeom>
+            <a:solidFill>
+              <a:schemeClr val="accent2">
+                <a:alpha val="70000"/>
+              </a:schemeClr>
+            </a:solidFill>
+            <a:ln>
+              <a:noFill/>
+            </a:ln>
+            <a:effectLst/>
+          </p:spPr>
+          <p:style>
+            <a:lnRef idx="1">
+              <a:schemeClr val="accent1"/>
+            </a:lnRef>
+            <a:fillRef idx="3">
+              <a:schemeClr val="accent1"/>
+            </a:fillRef>
+            <a:effectRef idx="2">
+              <a:schemeClr val="accent1"/>
+            </a:effectRef>
+            <a:fontRef idx="minor">
+              <a:schemeClr val="lt1"/>
+            </a:fontRef>
+          </p:style>
+        </p:sp>
+        <p:sp>
+          <p:nvSpPr>
+            <p:cNvPr id="43" name="Rectangle 29">
+              <a:extLst>
+                <a:ext uri="{FF2B5EF4-FFF2-40B4-BE49-F238E27FC236}">
+                  <a16:creationId xmlns:a16="http://schemas.microsoft.com/office/drawing/2014/main" id="{5B2B28BF-0C37-4FBE-B7C0-C89DB65D1ED1}"/>
+                </a:ext>
+                <a:ext uri="{C183D7F6-B498-43B3-948B-1728B52AA6E4}">
+                  <adec:decorative xmlns:adec="http://schemas.microsoft.com/office/drawing/2017/decorative" val="1"/>
+                </a:ext>
+              </a:extLst>
+            </p:cNvPr>
+            <p:cNvSpPr/>
+            <p:nvPr>
+              <p:extLst>
+                <p:ext uri="{386F3935-93C4-4BCD-93E2-E3B085C9AB24}">
+                  <p16:designElem xmlns:p16="http://schemas.microsoft.com/office/powerpoint/2015/main" val="1"/>
+                </p:ext>
+              </p:extLst>
+            </p:nvPr>
+          </p:nvSpPr>
+          <p:spPr>
+            <a:xfrm>
+              <a:off x="10938999" y="-8467"/>
+              <a:ext cx="1249825" cy="6866467"/>
+            </a:xfrm>
+            <a:custGeom>
+              <a:avLst/>
+              <a:gdLst/>
+              <a:ahLst/>
+              <a:cxnLst/>
+              <a:rect l="l" t="t" r="r" b="b"/>
+              <a:pathLst>
+                <a:path w="1249825" h="6858000">
+                  <a:moveTo>
+                    <a:pt x="0" y="0"/>
+                  </a:moveTo>
+                  <a:lnTo>
+                    <a:pt x="1249825" y="0"/>
+                  </a:lnTo>
+                  <a:lnTo>
+                    <a:pt x="1249825" y="6858000"/>
+                  </a:lnTo>
+                  <a:lnTo>
+                    <a:pt x="1109382" y="6858000"/>
+                  </a:lnTo>
+                  <a:lnTo>
+                    <a:pt x="0" y="0"/>
+                  </a:lnTo>
+                  <a:close/>
+                </a:path>
+              </a:pathLst>
+            </a:custGeom>
+            <a:solidFill>
+              <a:schemeClr val="accent2">
+                <a:lumMod val="75000"/>
+                <a:alpha val="80000"/>
+              </a:schemeClr>
+            </a:solidFill>
+            <a:ln>
+              <a:noFill/>
+            </a:ln>
+            <a:effectLst/>
+          </p:spPr>
+          <p:style>
+            <a:lnRef idx="1">
+              <a:schemeClr val="accent1"/>
+            </a:lnRef>
+            <a:fillRef idx="3">
+              <a:schemeClr val="accent1"/>
+            </a:fillRef>
+            <a:effectRef idx="2">
+              <a:schemeClr val="accent1"/>
+            </a:effectRef>
+            <a:fontRef idx="minor">
+              <a:schemeClr val="lt1"/>
+            </a:fontRef>
+          </p:style>
+        </p:sp>
+        <p:sp>
+          <p:nvSpPr>
+            <p:cNvPr id="44" name="Isosceles Triangle 43">
+              <a:extLst>
+                <a:ext uri="{FF2B5EF4-FFF2-40B4-BE49-F238E27FC236}">
+                  <a16:creationId xmlns:a16="http://schemas.microsoft.com/office/drawing/2014/main" id="{788870B6-EDFC-4E72-88F2-3173E23C78BD}"/>
+                </a:ext>
+                <a:ext uri="{C183D7F6-B498-43B3-948B-1728B52AA6E4}">
+                  <adec:decorative xmlns:adec="http://schemas.microsoft.com/office/drawing/2017/decorative" val="1"/>
+                </a:ext>
+              </a:extLst>
+            </p:cNvPr>
+            <p:cNvSpPr/>
+            <p:nvPr>
+              <p:extLst>
+                <p:ext uri="{386F3935-93C4-4BCD-93E2-E3B085C9AB24}">
+                  <p16:designElem xmlns:p16="http://schemas.microsoft.com/office/powerpoint/2015/main" val="1"/>
+                </p:ext>
+              </p:extLst>
+            </p:nvPr>
+          </p:nvSpPr>
+          <p:spPr>
+            <a:xfrm>
+              <a:off x="10371666" y="3589867"/>
+              <a:ext cx="1817159" cy="3268133"/>
+            </a:xfrm>
+            <a:prstGeom prst="triangle">
+              <a:avLst>
+                <a:gd name="adj" fmla="val 100000"/>
+              </a:avLst>
+            </a:prstGeom>
+            <a:solidFill>
+              <a:schemeClr val="accent1">
+                <a:lumMod val="75000"/>
+                <a:alpha val="66000"/>
+              </a:schemeClr>
+            </a:solidFill>
+            <a:ln>
+              <a:noFill/>
+            </a:ln>
+            <a:effectLst/>
+          </p:spPr>
+          <p:style>
+            <a:lnRef idx="1">
+              <a:schemeClr val="accent1"/>
+            </a:lnRef>
+            <a:fillRef idx="3">
+              <a:schemeClr val="accent1"/>
+            </a:fillRef>
+            <a:effectRef idx="2">
+              <a:schemeClr val="accent1"/>
+            </a:effectRef>
+            <a:fontRef idx="minor">
+              <a:schemeClr val="lt1"/>
+            </a:fontRef>
+          </p:style>
+        </p:sp>
+        <p:sp>
+          <p:nvSpPr>
+            <p:cNvPr id="45" name="Isosceles Triangle 44">
+              <a:extLst>
+                <a:ext uri="{FF2B5EF4-FFF2-40B4-BE49-F238E27FC236}">
+                  <a16:creationId xmlns:a16="http://schemas.microsoft.com/office/drawing/2014/main" id="{A79CCB63-9913-45AA-AC08-8B58C562F7A6}"/>
+                </a:ext>
+                <a:ext uri="{C183D7F6-B498-43B3-948B-1728B52AA6E4}">
+                  <adec:decorative xmlns:adec="http://schemas.microsoft.com/office/drawing/2017/decorative" val="1"/>
+                </a:ext>
+              </a:extLst>
+            </p:cNvPr>
+            <p:cNvSpPr/>
+            <p:nvPr>
+              <p:extLst>
+                <p:ext uri="{386F3935-93C4-4BCD-93E2-E3B085C9AB24}">
+                  <p16:designElem xmlns:p16="http://schemas.microsoft.com/office/powerpoint/2015/main" val="1"/>
+                </p:ext>
+              </p:extLst>
+            </p:nvPr>
+          </p:nvSpPr>
+          <p:spPr>
+            <a:xfrm>
+              <a:off x="0" y="4013200"/>
+              <a:ext cx="448733" cy="2844800"/>
+            </a:xfrm>
+            <a:prstGeom prst="triangle">
+              <a:avLst>
+                <a:gd name="adj" fmla="val 0"/>
+              </a:avLst>
+            </a:prstGeom>
+            <a:solidFill>
+              <a:schemeClr val="accent1">
+                <a:alpha val="70000"/>
+              </a:schemeClr>
+            </a:solidFill>
+            <a:ln>
+              <a:noFill/>
+            </a:ln>
+            <a:effectLst/>
+          </p:spPr>
+          <p:style>
+            <a:lnRef idx="1">
+              <a:schemeClr val="accent1"/>
+            </a:lnRef>
+            <a:fillRef idx="3">
+              <a:schemeClr val="accent1"/>
+            </a:fillRef>
+            <a:effectRef idx="2">
+              <a:schemeClr val="accent1"/>
+            </a:effectRef>
+            <a:fontRef idx="minor">
+              <a:schemeClr val="lt1"/>
+            </a:fontRef>
+          </p:style>
+        </p:sp>
+      </p:grpSp>
+      <p:sp>
+        <p:nvSpPr>
+          <p:cNvPr id="2" name="Title 1">
+            <a:extLst>
+              <a:ext uri="{FF2B5EF4-FFF2-40B4-BE49-F238E27FC236}">
+                <a16:creationId xmlns:a16="http://schemas.microsoft.com/office/drawing/2014/main" id="{5B0ADAC0-6996-4487-AF0D-D2BB54A50737}"/>
+              </a:ext>
+            </a:extLst>
+          </p:cNvPr>
+          <p:cNvSpPr>
+            <a:spLocks noGrp="1"/>
+          </p:cNvSpPr>
+          <p:nvPr>
+            <p:ph type="title"/>
+          </p:nvPr>
+        </p:nvSpPr>
+        <p:spPr>
+          <a:xfrm>
+            <a:off x="677334" y="609600"/>
+            <a:ext cx="8596668" cy="1320800"/>
+          </a:xfrm>
+        </p:spPr>
+        <p:txBody>
+          <a:bodyPr vert="horz" lIns="91440" tIns="45720" rIns="91440" bIns="45720" rtlCol="0" anchor="t">
+            <a:normAutofit/>
+          </a:bodyPr>
+          <a:lstStyle/>
+          <a:p>
+            <a:r>
+              <a:rPr lang="en-US" dirty="0"/>
+              <a:t>Preliminary Data Review - Demographic</a:t>
+            </a:r>
+          </a:p>
+        </p:txBody>
+      </p:sp>
+      <p:sp>
+        <p:nvSpPr>
+          <p:cNvPr id="4" name="Content Placeholder 3">
+            <a:extLst>
+              <a:ext uri="{FF2B5EF4-FFF2-40B4-BE49-F238E27FC236}">
+                <a16:creationId xmlns:a16="http://schemas.microsoft.com/office/drawing/2014/main" id="{F4750EC3-B3E4-4D39-A4F6-2317EB53B900}"/>
+              </a:ext>
+            </a:extLst>
+          </p:cNvPr>
+          <p:cNvSpPr>
+            <a:spLocks noGrp="1"/>
+          </p:cNvSpPr>
+          <p:nvPr>
+            <p:ph sz="half" idx="2"/>
+          </p:nvPr>
+        </p:nvSpPr>
+        <p:spPr>
+          <a:xfrm>
+            <a:off x="6329365" y="1741026"/>
+            <a:ext cx="2944638" cy="3880773"/>
+          </a:xfrm>
+        </p:spPr>
+        <p:txBody>
+          <a:bodyPr vert="horz" lIns="91440" tIns="45720" rIns="91440" bIns="45720" rtlCol="0">
+            <a:normAutofit/>
+          </a:bodyPr>
+          <a:lstStyle/>
+          <a:p>
+            <a:r>
+              <a:rPr lang="en-US" sz="1600" dirty="0"/>
+              <a:t>60% of the customers are female</a:t>
+            </a:r>
+          </a:p>
+          <a:p>
+            <a:r>
+              <a:rPr lang="en-US" sz="1600" dirty="0"/>
+              <a:t>More than half of the customers are single. 45% are married.</a:t>
+            </a:r>
+          </a:p>
+          <a:p>
+            <a:r>
+              <a:rPr lang="en-US" sz="1600" dirty="0"/>
+              <a:t>70% of the customers are between the age of 20 &amp; 40.</a:t>
+            </a:r>
+          </a:p>
+          <a:p>
+            <a:r>
+              <a:rPr lang="en-US" sz="1600" dirty="0"/>
+              <a:t>Less than 20% of the customers have less than university education.</a:t>
+            </a:r>
+          </a:p>
+        </p:txBody>
+      </p:sp>
+      <p:pic>
+        <p:nvPicPr>
+          <p:cNvPr id="28" name="Picture 27">
+            <a:extLst>
+              <a:ext uri="{FF2B5EF4-FFF2-40B4-BE49-F238E27FC236}">
+                <a16:creationId xmlns:a16="http://schemas.microsoft.com/office/drawing/2014/main" id="{CE93B0BD-D40F-406A-A86C-BFBC28DD7F78}"/>
+              </a:ext>
+            </a:extLst>
+          </p:cNvPr>
+          <p:cNvPicPr>
+            <a:picLocks noChangeAspect="1"/>
+          </p:cNvPicPr>
+          <p:nvPr/>
+        </p:nvPicPr>
+        <p:blipFill>
+          <a:blip r:embed="rId2"/>
+          <a:stretch>
+            <a:fillRect/>
+          </a:stretch>
+        </p:blipFill>
+        <p:spPr>
+          <a:xfrm>
+            <a:off x="681163" y="1466570"/>
+            <a:ext cx="2379608" cy="2208558"/>
+          </a:xfrm>
+          <a:prstGeom prst="rect">
+            <a:avLst/>
+          </a:prstGeom>
+        </p:spPr>
+      </p:pic>
+      <p:pic>
+        <p:nvPicPr>
+          <p:cNvPr id="33" name="Picture 32">
+            <a:extLst>
+              <a:ext uri="{FF2B5EF4-FFF2-40B4-BE49-F238E27FC236}">
+                <a16:creationId xmlns:a16="http://schemas.microsoft.com/office/drawing/2014/main" id="{4B1C233B-21A1-4B09-9864-6552C00B0899}"/>
+              </a:ext>
+            </a:extLst>
+          </p:cNvPr>
+          <p:cNvPicPr>
+            <a:picLocks noChangeAspect="1"/>
+          </p:cNvPicPr>
+          <p:nvPr/>
+        </p:nvPicPr>
+        <p:blipFill>
+          <a:blip r:embed="rId3"/>
+          <a:stretch>
+            <a:fillRect/>
+          </a:stretch>
+        </p:blipFill>
+        <p:spPr>
+          <a:xfrm>
+            <a:off x="3271872" y="1466570"/>
+            <a:ext cx="2379608" cy="2206187"/>
+          </a:xfrm>
+          <a:prstGeom prst="rect">
+            <a:avLst/>
+          </a:prstGeom>
+        </p:spPr>
+      </p:pic>
+      <p:pic>
+        <p:nvPicPr>
+          <p:cNvPr id="34" name="Picture 33">
+            <a:extLst>
+              <a:ext uri="{FF2B5EF4-FFF2-40B4-BE49-F238E27FC236}">
+                <a16:creationId xmlns:a16="http://schemas.microsoft.com/office/drawing/2014/main" id="{5A417B0B-57BE-4CBB-B3E2-FECF363C558B}"/>
+              </a:ext>
+            </a:extLst>
+          </p:cNvPr>
+          <p:cNvPicPr>
+            <a:picLocks noChangeAspect="1"/>
+          </p:cNvPicPr>
+          <p:nvPr/>
+        </p:nvPicPr>
+        <p:blipFill>
+          <a:blip r:embed="rId4"/>
+          <a:stretch>
+            <a:fillRect/>
+          </a:stretch>
+        </p:blipFill>
+        <p:spPr>
+          <a:xfrm>
+            <a:off x="677334" y="3972959"/>
+            <a:ext cx="2383437" cy="2230463"/>
+          </a:xfrm>
+          <a:prstGeom prst="rect">
+            <a:avLst/>
+          </a:prstGeom>
+        </p:spPr>
+      </p:pic>
+      <p:pic>
+        <p:nvPicPr>
+          <p:cNvPr id="46" name="Picture 45">
+            <a:extLst>
+              <a:ext uri="{FF2B5EF4-FFF2-40B4-BE49-F238E27FC236}">
+                <a16:creationId xmlns:a16="http://schemas.microsoft.com/office/drawing/2014/main" id="{D5FA4093-D2AD-49BD-8A93-6CB1A8C3A84A}"/>
+              </a:ext>
+            </a:extLst>
+          </p:cNvPr>
+          <p:cNvPicPr>
+            <a:picLocks noChangeAspect="1"/>
+          </p:cNvPicPr>
+          <p:nvPr/>
+        </p:nvPicPr>
+        <p:blipFill>
+          <a:blip r:embed="rId5"/>
+          <a:stretch>
+            <a:fillRect/>
+          </a:stretch>
+        </p:blipFill>
+        <p:spPr>
+          <a:xfrm>
+            <a:off x="3258697" y="3971373"/>
+            <a:ext cx="2303903" cy="2230463"/>
+          </a:xfrm>
+          <a:prstGeom prst="rect">
+            <a:avLst/>
+          </a:prstGeom>
+        </p:spPr>
+      </p:pic>
+    </p:spTree>
+    <p:extLst>
+      <p:ext uri="{BB962C8B-B14F-4D97-AF65-F5344CB8AC3E}">
+        <p14:creationId xmlns:p14="http://schemas.microsoft.com/office/powerpoint/2010/main" val="2265467106"/>
+      </p:ext>
+    </p:extLst>
+  </p:cSld>
+  <p:clrMapOvr>
+    <a:masterClrMapping/>
+  </p:clrMapOvr>
+</p:sld>
+</file>
+
+<file path=ppt/slides/slide7.xml><?xml version="1.0" encoding="utf-8"?>
+<p:sld xmlns:a="http://schemas.openxmlformats.org/drawingml/2006/main" xmlns:r="http://schemas.openxmlformats.org/officeDocument/2006/relationships" xmlns:p="http://schemas.openxmlformats.org/presentationml/2006/main">
+  <p:cSld>
+    <p:spTree>
+      <p:nvGrpSpPr>
+        <p:cNvPr id="1" name=""/>
+        <p:cNvGrpSpPr/>
+        <p:nvPr/>
+      </p:nvGrpSpPr>
+      <p:grpSpPr>
+        <a:xfrm>
+          <a:off x="0" y="0"/>
+          <a:ext cx="0" cy="0"/>
+          <a:chOff x="0" y="0"/>
+          <a:chExt cx="0" cy="0"/>
+        </a:xfrm>
+      </p:grpSpPr>
+      <p:sp>
+        <p:nvSpPr>
+          <p:cNvPr id="2" name="Title 1">
+            <a:extLst>
+              <a:ext uri="{FF2B5EF4-FFF2-40B4-BE49-F238E27FC236}">
+                <a16:creationId xmlns:a16="http://schemas.microsoft.com/office/drawing/2014/main" id="{5B0ADAC0-6996-4487-AF0D-D2BB54A50737}"/>
+              </a:ext>
+            </a:extLst>
+          </p:cNvPr>
+          <p:cNvSpPr>
+            <a:spLocks noGrp="1"/>
+          </p:cNvSpPr>
+          <p:nvPr>
+            <p:ph type="title"/>
+          </p:nvPr>
+        </p:nvSpPr>
+        <p:spPr>
+          <a:xfrm>
+            <a:off x="677334" y="609600"/>
+            <a:ext cx="8596668" cy="895349"/>
+          </a:xfrm>
+        </p:spPr>
+        <p:txBody>
+          <a:bodyPr/>
+          <a:lstStyle/>
+          <a:p>
+            <a:r>
+              <a:rPr lang="en-US" dirty="0"/>
+              <a:t>Preliminary Data Review</a:t>
+            </a:r>
+          </a:p>
+        </p:txBody>
+      </p:sp>
+      <p:sp>
+        <p:nvSpPr>
+          <p:cNvPr id="4" name="Content Placeholder 3">
+            <a:extLst>
+              <a:ext uri="{FF2B5EF4-FFF2-40B4-BE49-F238E27FC236}">
+                <a16:creationId xmlns:a16="http://schemas.microsoft.com/office/drawing/2014/main" id="{F4750EC3-B3E4-4D39-A4F6-2317EB53B900}"/>
+              </a:ext>
+            </a:extLst>
+          </p:cNvPr>
+          <p:cNvSpPr>
+            <a:spLocks noGrp="1"/>
+          </p:cNvSpPr>
+          <p:nvPr>
+            <p:ph sz="half" idx="2"/>
+          </p:nvPr>
+        </p:nvSpPr>
+        <p:spPr>
+          <a:xfrm>
+            <a:off x="677334" y="5019676"/>
+            <a:ext cx="8596668" cy="1109175"/>
+          </a:xfrm>
+        </p:spPr>
+        <p:txBody>
+          <a:bodyPr>
+            <a:normAutofit fontScale="92500" lnSpcReduction="20000"/>
+          </a:bodyPr>
+          <a:lstStyle/>
+          <a:p>
+            <a:r>
+              <a:rPr lang="en-US" dirty="0"/>
+              <a:t>More than 60% of the customers have credit limit &lt;200k NT dollars.</a:t>
+            </a:r>
+          </a:p>
+          <a:p>
+            <a:r>
+              <a:rPr lang="en-US" dirty="0"/>
+              <a:t>In September, almost half of the customers used revolving credit, 12% of the customers delayed payment for one month. 9% of the customers delayed payment for 2 months. 1.5% of the customers delayed payment for more than 2 months.</a:t>
+            </a:r>
+          </a:p>
+        </p:txBody>
+      </p:sp>
+      <p:pic>
+        <p:nvPicPr>
+          <p:cNvPr id="10" name="Picture 9">
+            <a:extLst>
+              <a:ext uri="{FF2B5EF4-FFF2-40B4-BE49-F238E27FC236}">
+                <a16:creationId xmlns:a16="http://schemas.microsoft.com/office/drawing/2014/main" id="{4F0AA3F8-628F-40FD-A190-39E97B4A7840}"/>
+              </a:ext>
+            </a:extLst>
+          </p:cNvPr>
+          <p:cNvPicPr>
+            <a:picLocks noChangeAspect="1"/>
+          </p:cNvPicPr>
+          <p:nvPr/>
+        </p:nvPicPr>
+        <p:blipFill>
+          <a:blip r:embed="rId2"/>
+          <a:stretch>
+            <a:fillRect/>
+          </a:stretch>
+        </p:blipFill>
+        <p:spPr>
+          <a:xfrm>
+            <a:off x="677334" y="1355399"/>
+            <a:ext cx="5675841" cy="3576788"/>
+          </a:xfrm>
+          <a:prstGeom prst="rect">
+            <a:avLst/>
+          </a:prstGeom>
+        </p:spPr>
+      </p:pic>
+      <p:pic>
+        <p:nvPicPr>
+          <p:cNvPr id="11" name="Picture 10">
+            <a:extLst>
+              <a:ext uri="{FF2B5EF4-FFF2-40B4-BE49-F238E27FC236}">
+                <a16:creationId xmlns:a16="http://schemas.microsoft.com/office/drawing/2014/main" id="{5E11D1EE-36FC-48BD-9164-70C1251D6E8D}"/>
+              </a:ext>
+            </a:extLst>
+          </p:cNvPr>
+          <p:cNvPicPr>
+            <a:picLocks noChangeAspect="1"/>
+          </p:cNvPicPr>
+          <p:nvPr/>
+        </p:nvPicPr>
+        <p:blipFill>
+          <a:blip r:embed="rId3"/>
+          <a:stretch>
+            <a:fillRect/>
+          </a:stretch>
+        </p:blipFill>
+        <p:spPr>
+          <a:xfrm>
+            <a:off x="6690587" y="1723302"/>
+            <a:ext cx="3554276" cy="2840982"/>
+          </a:xfrm>
+          <a:prstGeom prst="rect">
+            <a:avLst/>
+          </a:prstGeom>
+        </p:spPr>
+      </p:pic>
+    </p:spTree>
+    <p:extLst>
+      <p:ext uri="{BB962C8B-B14F-4D97-AF65-F5344CB8AC3E}">
+        <p14:creationId xmlns:p14="http://schemas.microsoft.com/office/powerpoint/2010/main" val="1739795175"/>
+      </p:ext>
+    </p:extLst>
+  </p:cSld>
+  <p:clrMapOvr>
+    <a:masterClrMapping/>
+  </p:clrMapOvr>
+</p:sld>
+</file>
+
+<file path=ppt/slides/slide8.xml><?xml version="1.0" encoding="utf-8"?>
+<p:sld xmlns:a="http://schemas.openxmlformats.org/drawingml/2006/main" xmlns:r="http://schemas.openxmlformats.org/officeDocument/2006/relationships" xmlns:p="http://schemas.openxmlformats.org/presentationml/2006/main">
+  <p:cSld>
+    <p:bg>
+      <p:bgPr>
+        <a:solidFill>
+          <a:schemeClr val="bg1"/>
+        </a:solidFill>
+        <a:effectLst/>
+      </p:bgPr>
+    </p:bg>
+    <p:spTree>
+      <p:nvGrpSpPr>
+        <p:cNvPr id="1" name=""/>
+        <p:cNvGrpSpPr/>
+        <p:nvPr/>
+      </p:nvGrpSpPr>
+      <p:grpSpPr>
+        <a:xfrm>
+          <a:off x="0" y="0"/>
+          <a:ext cx="0" cy="0"/>
+          <a:chOff x="0" y="0"/>
+          <a:chExt cx="0" cy="0"/>
+        </a:xfrm>
+      </p:grpSpPr>
+      <p:grpSp>
+        <p:nvGrpSpPr>
+          <p:cNvPr id="31" name="Group 30">
+            <a:extLst>
+              <a:ext uri="{FF2B5EF4-FFF2-40B4-BE49-F238E27FC236}">
+                <a16:creationId xmlns:a16="http://schemas.microsoft.com/office/drawing/2014/main" id="{2356F361-DB9C-4716-8572-8E67E9AB4D57}"/>
+              </a:ext>
+              <a:ext uri="{C183D7F6-B498-43B3-948B-1728B52AA6E4}">
+                <adec:decorative xmlns:adec="http://schemas.microsoft.com/office/drawing/2017/decorative" val="1"/>
+              </a:ext>
+            </a:extLst>
+          </p:cNvPr>
+          <p:cNvGrpSpPr>
+            <a:grpSpLocks noGrp="1" noUngrp="1" noRot="1" noChangeAspect="1" noMove="1" noResize="1"/>
+          </p:cNvGrpSpPr>
+          <p:nvPr>
+            <p:extLst>
+              <p:ext uri="{386F3935-93C4-4BCD-93E2-E3B085C9AB24}">
+                <p16:designElem xmlns:p16="http://schemas.microsoft.com/office/powerpoint/2015/main" val="1"/>
+              </p:ext>
+            </p:extLst>
+          </p:nvPr>
+        </p:nvGrpSpPr>
+        <p:grpSpPr>
+          <a:xfrm>
+            <a:off x="0" y="-8467"/>
+            <a:ext cx="12192000" cy="6866467"/>
+            <a:chOff x="0" y="-8467"/>
+            <a:chExt cx="12192000" cy="6866467"/>
+          </a:xfrm>
+        </p:grpSpPr>
+        <p:cxnSp>
+          <p:nvCxnSpPr>
+            <p:cNvPr id="32" name="Straight Connector 31">
+              <a:extLst>
+                <a:ext uri="{FF2B5EF4-FFF2-40B4-BE49-F238E27FC236}">
+                  <a16:creationId xmlns:a16="http://schemas.microsoft.com/office/drawing/2014/main" id="{E6FF2CA3-6D93-438A-AA13-5844C345F807}"/>
+                </a:ext>
+                <a:ext uri="{C183D7F6-B498-43B3-948B-1728B52AA6E4}">
+                  <adec:decorative xmlns:adec="http://schemas.microsoft.com/office/drawing/2017/decorative" val="1"/>
+                </a:ext>
+              </a:extLst>
+            </p:cNvPr>
+            <p:cNvCxnSpPr/>
+            <p:nvPr>
+              <p:extLst>
+                <p:ext uri="{386F3935-93C4-4BCD-93E2-E3B085C9AB24}">
+                  <p16:designElem xmlns:p16="http://schemas.microsoft.com/office/powerpoint/2015/main" val="1"/>
+                </p:ext>
+              </p:extLst>
+            </p:nvPr>
+          </p:nvCxnSpPr>
+          <p:spPr>
+            <a:xfrm>
+              <a:off x="9371012" y="0"/>
+              <a:ext cx="1219200" cy="6858000"/>
+            </a:xfrm>
+            <a:prstGeom prst="line">
+              <a:avLst/>
+            </a:prstGeom>
+            <a:ln w="9525">
+              <a:solidFill>
+                <a:schemeClr val="accent1">
+                  <a:alpha val="70000"/>
+                </a:schemeClr>
+              </a:solidFill>
+            </a:ln>
+          </p:spPr>
+          <p:style>
+            <a:lnRef idx="2">
+              <a:schemeClr val="accent1"/>
+            </a:lnRef>
+            <a:fillRef idx="0">
+              <a:schemeClr val="accent1"/>
+            </a:fillRef>
+            <a:effectRef idx="1">
+              <a:schemeClr val="accent1"/>
+            </a:effectRef>
+            <a:fontRef idx="minor">
+              <a:schemeClr val="tx1"/>
+            </a:fontRef>
+          </p:style>
+        </p:cxnSp>
+        <p:cxnSp>
+          <p:nvCxnSpPr>
+            <p:cNvPr id="33" name="Straight Connector 32">
+              <a:extLst>
+                <a:ext uri="{FF2B5EF4-FFF2-40B4-BE49-F238E27FC236}">
+                  <a16:creationId xmlns:a16="http://schemas.microsoft.com/office/drawing/2014/main" id="{8D6C7FF8-C6AA-493F-BF62-FC52DE277087}"/>
+                </a:ext>
+                <a:ext uri="{C183D7F6-B498-43B3-948B-1728B52AA6E4}">
+                  <adec:decorative xmlns:adec="http://schemas.microsoft.com/office/drawing/2017/decorative" val="1"/>
+                </a:ext>
+              </a:extLst>
+            </p:cNvPr>
+            <p:cNvCxnSpPr/>
+            <p:nvPr>
+              <p:extLst>
+                <p:ext uri="{386F3935-93C4-4BCD-93E2-E3B085C9AB24}">
+                  <p16:designElem xmlns:p16="http://schemas.microsoft.com/office/powerpoint/2015/main" val="1"/>
+                </p:ext>
+              </p:extLst>
+            </p:nvPr>
+          </p:nvCxnSpPr>
+          <p:spPr>
+            <a:xfrm flipH="1">
+              <a:off x="7425267" y="3681413"/>
+              <a:ext cx="4763558" cy="3176587"/>
+            </a:xfrm>
+            <a:prstGeom prst="line">
+              <a:avLst/>
+            </a:prstGeom>
+            <a:ln w="9525">
+              <a:solidFill>
+                <a:schemeClr val="accent1">
+                  <a:alpha val="70000"/>
+                </a:schemeClr>
+              </a:solidFill>
+            </a:ln>
+          </p:spPr>
+          <p:style>
+            <a:lnRef idx="2">
+              <a:schemeClr val="accent1"/>
+            </a:lnRef>
+            <a:fillRef idx="0">
+              <a:schemeClr val="accent1"/>
+            </a:fillRef>
+            <a:effectRef idx="1">
+              <a:schemeClr val="accent1"/>
+            </a:effectRef>
+            <a:fontRef idx="minor">
+              <a:schemeClr val="tx1"/>
+            </a:fontRef>
+          </p:style>
+        </p:cxnSp>
+        <p:sp>
+          <p:nvSpPr>
+            <p:cNvPr id="34" name="Rectangle 23">
+              <a:extLst>
+                <a:ext uri="{FF2B5EF4-FFF2-40B4-BE49-F238E27FC236}">
+                  <a16:creationId xmlns:a16="http://schemas.microsoft.com/office/drawing/2014/main" id="{215DAE39-2187-4AA8-8703-0F2B3BCFEEE2}"/>
+                </a:ext>
+                <a:ext uri="{C183D7F6-B498-43B3-948B-1728B52AA6E4}">
+                  <adec:decorative xmlns:adec="http://schemas.microsoft.com/office/drawing/2017/decorative" val="1"/>
+                </a:ext>
+              </a:extLst>
+            </p:cNvPr>
+            <p:cNvSpPr/>
+            <p:nvPr>
+              <p:extLst>
+                <p:ext uri="{386F3935-93C4-4BCD-93E2-E3B085C9AB24}">
+                  <p16:designElem xmlns:p16="http://schemas.microsoft.com/office/powerpoint/2015/main" val="1"/>
+                </p:ext>
+              </p:extLst>
+            </p:nvPr>
+          </p:nvSpPr>
+          <p:spPr>
+            <a:xfrm>
+              <a:off x="9181476" y="-8467"/>
+              <a:ext cx="3007349" cy="6866467"/>
+            </a:xfrm>
+            <a:custGeom>
+              <a:avLst/>
+              <a:gdLst/>
+              <a:ahLst/>
+              <a:cxnLst/>
+              <a:rect l="l" t="t" r="r" b="b"/>
+              <a:pathLst>
+                <a:path w="3007349" h="6866467">
+                  <a:moveTo>
+                    <a:pt x="2045532" y="0"/>
+                  </a:moveTo>
+                  <a:lnTo>
+                    <a:pt x="3007349" y="0"/>
+                  </a:lnTo>
+                  <a:lnTo>
+                    <a:pt x="3007349" y="6866467"/>
+                  </a:lnTo>
+                  <a:lnTo>
+                    <a:pt x="0" y="6866467"/>
+                  </a:lnTo>
+                  <a:lnTo>
+                    <a:pt x="2045532" y="0"/>
+                  </a:lnTo>
+                  <a:close/>
+                </a:path>
+              </a:pathLst>
+            </a:custGeom>
+            <a:solidFill>
+              <a:schemeClr val="accent1">
+                <a:alpha val="36000"/>
+              </a:schemeClr>
+            </a:solidFill>
+            <a:ln>
+              <a:noFill/>
+            </a:ln>
+            <a:effectLst/>
+          </p:spPr>
+          <p:style>
+            <a:lnRef idx="1">
+              <a:schemeClr val="accent1"/>
+            </a:lnRef>
+            <a:fillRef idx="3">
+              <a:schemeClr val="accent1"/>
+            </a:fillRef>
+            <a:effectRef idx="2">
+              <a:schemeClr val="accent1"/>
+            </a:effectRef>
+            <a:fontRef idx="minor">
+              <a:schemeClr val="lt1"/>
+            </a:fontRef>
+          </p:style>
+        </p:sp>
+        <p:sp>
+          <p:nvSpPr>
+            <p:cNvPr id="35" name="Rectangle 25">
+              <a:extLst>
+                <a:ext uri="{FF2B5EF4-FFF2-40B4-BE49-F238E27FC236}">
+                  <a16:creationId xmlns:a16="http://schemas.microsoft.com/office/drawing/2014/main" id="{1D0826C5-89FD-49A0-9E8F-19DA04FE6F25}"/>
+                </a:ext>
+                <a:ext uri="{C183D7F6-B498-43B3-948B-1728B52AA6E4}">
+                  <adec:decorative xmlns:adec="http://schemas.microsoft.com/office/drawing/2017/decorative" val="1"/>
+                </a:ext>
+              </a:extLst>
+            </p:cNvPr>
+            <p:cNvSpPr/>
+            <p:nvPr>
+              <p:extLst>
+                <p:ext uri="{386F3935-93C4-4BCD-93E2-E3B085C9AB24}">
+                  <p16:designElem xmlns:p16="http://schemas.microsoft.com/office/powerpoint/2015/main" val="1"/>
+                </p:ext>
+              </p:extLst>
+            </p:nvPr>
+          </p:nvSpPr>
+          <p:spPr>
+            <a:xfrm>
+              <a:off x="9603442" y="-8467"/>
+              <a:ext cx="2588558" cy="6866467"/>
+            </a:xfrm>
+            <a:custGeom>
+              <a:avLst/>
+              <a:gdLst/>
+              <a:ahLst/>
+              <a:cxnLst/>
+              <a:rect l="l" t="t" r="r" b="b"/>
+              <a:pathLst>
+                <a:path w="2573311" h="6866467">
+                  <a:moveTo>
+                    <a:pt x="0" y="0"/>
+                  </a:moveTo>
+                  <a:lnTo>
+                    <a:pt x="2573311" y="0"/>
+                  </a:lnTo>
+                  <a:lnTo>
+                    <a:pt x="2573311" y="6866467"/>
+                  </a:lnTo>
+                  <a:lnTo>
+                    <a:pt x="1202336" y="6866467"/>
+                  </a:lnTo>
+                  <a:lnTo>
+                    <a:pt x="0" y="0"/>
+                  </a:lnTo>
+                  <a:close/>
+                </a:path>
+              </a:pathLst>
+            </a:custGeom>
+            <a:solidFill>
+              <a:schemeClr val="accent1">
+                <a:alpha val="20000"/>
+              </a:schemeClr>
+            </a:solidFill>
+            <a:ln>
+              <a:noFill/>
+            </a:ln>
+            <a:effectLst/>
+          </p:spPr>
+          <p:style>
+            <a:lnRef idx="1">
+              <a:schemeClr val="accent1"/>
+            </a:lnRef>
+            <a:fillRef idx="3">
+              <a:schemeClr val="accent1"/>
+            </a:fillRef>
+            <a:effectRef idx="2">
+              <a:schemeClr val="accent1"/>
+            </a:effectRef>
+            <a:fontRef idx="minor">
+              <a:schemeClr val="lt1"/>
+            </a:fontRef>
+          </p:style>
+        </p:sp>
+        <p:sp>
+          <p:nvSpPr>
+            <p:cNvPr id="36" name="Isosceles Triangle 35">
+              <a:extLst>
+                <a:ext uri="{FF2B5EF4-FFF2-40B4-BE49-F238E27FC236}">
+                  <a16:creationId xmlns:a16="http://schemas.microsoft.com/office/drawing/2014/main" id="{CE0557FD-5B6C-4875-9EA4-18DAD6258B59}"/>
+                </a:ext>
+                <a:ext uri="{C183D7F6-B498-43B3-948B-1728B52AA6E4}">
+                  <adec:decorative xmlns:adec="http://schemas.microsoft.com/office/drawing/2017/decorative" val="1"/>
+                </a:ext>
+              </a:extLst>
+            </p:cNvPr>
+            <p:cNvSpPr/>
+            <p:nvPr>
+              <p:extLst>
+                <p:ext uri="{386F3935-93C4-4BCD-93E2-E3B085C9AB24}">
+                  <p16:designElem xmlns:p16="http://schemas.microsoft.com/office/powerpoint/2015/main" val="1"/>
+                </p:ext>
+              </p:extLst>
+            </p:nvPr>
+          </p:nvSpPr>
+          <p:spPr>
+            <a:xfrm>
+              <a:off x="8932333" y="3048000"/>
+              <a:ext cx="3259667" cy="3810000"/>
+            </a:xfrm>
+            <a:prstGeom prst="triangle">
+              <a:avLst>
+                <a:gd name="adj" fmla="val 100000"/>
+              </a:avLst>
+            </a:prstGeom>
+            <a:solidFill>
+              <a:schemeClr val="accent1">
+                <a:lumMod val="75000"/>
+                <a:alpha val="66000"/>
+              </a:schemeClr>
+            </a:solidFill>
+            <a:ln>
+              <a:noFill/>
+            </a:ln>
+            <a:effectLst/>
+          </p:spPr>
+          <p:style>
+            <a:lnRef idx="1">
+              <a:schemeClr val="accent1"/>
+            </a:lnRef>
+            <a:fillRef idx="3">
+              <a:schemeClr val="accent1"/>
+            </a:fillRef>
+            <a:effectRef idx="2">
+              <a:schemeClr val="accent1"/>
+            </a:effectRef>
+            <a:fontRef idx="minor">
+              <a:schemeClr val="lt1"/>
+            </a:fontRef>
+          </p:style>
+        </p:sp>
+        <p:sp>
+          <p:nvSpPr>
+            <p:cNvPr id="37" name="Rectangle 27">
+              <a:extLst>
+                <a:ext uri="{FF2B5EF4-FFF2-40B4-BE49-F238E27FC236}">
+                  <a16:creationId xmlns:a16="http://schemas.microsoft.com/office/drawing/2014/main" id="{55C096D6-25B6-418D-8FFF-894AC5FB6094}"/>
+                </a:ext>
+                <a:ext uri="{C183D7F6-B498-43B3-948B-1728B52AA6E4}">
+                  <adec:decorative xmlns:adec="http://schemas.microsoft.com/office/drawing/2017/decorative" val="1"/>
+                </a:ext>
+              </a:extLst>
+            </p:cNvPr>
+            <p:cNvSpPr/>
+            <p:nvPr>
+              <p:extLst>
+                <p:ext uri="{386F3935-93C4-4BCD-93E2-E3B085C9AB24}">
+                  <p16:designElem xmlns:p16="http://schemas.microsoft.com/office/powerpoint/2015/main" val="1"/>
+                </p:ext>
+              </p:extLst>
+            </p:nvPr>
+          </p:nvSpPr>
+          <p:spPr>
+            <a:xfrm>
+              <a:off x="9334500" y="-8467"/>
+              <a:ext cx="2854326" cy="6866467"/>
+            </a:xfrm>
+            <a:custGeom>
+              <a:avLst/>
+              <a:gdLst/>
+              <a:ahLst/>
+              <a:cxnLst/>
+              <a:rect l="l" t="t" r="r" b="b"/>
+              <a:pathLst>
+                <a:path w="2858013" h="6866467">
+                  <a:moveTo>
+                    <a:pt x="0" y="0"/>
+                  </a:moveTo>
+                  <a:lnTo>
+                    <a:pt x="2858013" y="0"/>
+                  </a:lnTo>
+                  <a:lnTo>
+                    <a:pt x="2858013" y="6866467"/>
+                  </a:lnTo>
+                  <a:lnTo>
+                    <a:pt x="2473942" y="6866467"/>
+                  </a:lnTo>
+                  <a:lnTo>
+                    <a:pt x="0" y="0"/>
+                  </a:lnTo>
+                  <a:close/>
+                </a:path>
+              </a:pathLst>
+            </a:custGeom>
+            <a:solidFill>
+              <a:schemeClr val="accent1">
+                <a:lumMod val="75000"/>
+                <a:alpha val="50000"/>
+              </a:schemeClr>
+            </a:solidFill>
+            <a:ln>
+              <a:noFill/>
+            </a:ln>
+            <a:effectLst/>
+          </p:spPr>
+          <p:style>
+            <a:lnRef idx="1">
+              <a:schemeClr val="accent1"/>
+            </a:lnRef>
+            <a:fillRef idx="3">
+              <a:schemeClr val="accent1"/>
+            </a:fillRef>
+            <a:effectRef idx="2">
+              <a:schemeClr val="accent1"/>
+            </a:effectRef>
+            <a:fontRef idx="minor">
+              <a:schemeClr val="lt1"/>
+            </a:fontRef>
+          </p:style>
+        </p:sp>
+        <p:sp>
+          <p:nvSpPr>
+            <p:cNvPr id="38" name="Rectangle 28">
+              <a:extLst>
+                <a:ext uri="{FF2B5EF4-FFF2-40B4-BE49-F238E27FC236}">
+                  <a16:creationId xmlns:a16="http://schemas.microsoft.com/office/drawing/2014/main" id="{4480C8B4-C2F4-427B-B03E-ABF3C9AF19C5}"/>
+                </a:ext>
+                <a:ext uri="{C183D7F6-B498-43B3-948B-1728B52AA6E4}">
+                  <adec:decorative xmlns:adec="http://schemas.microsoft.com/office/drawing/2017/decorative" val="1"/>
+                </a:ext>
+              </a:extLst>
+            </p:cNvPr>
+            <p:cNvSpPr/>
+            <p:nvPr>
+              <p:extLst>
+                <p:ext uri="{386F3935-93C4-4BCD-93E2-E3B085C9AB24}">
+                  <p16:designElem xmlns:p16="http://schemas.microsoft.com/office/powerpoint/2015/main" val="1"/>
+                </p:ext>
+              </p:extLst>
+            </p:nvPr>
+          </p:nvSpPr>
+          <p:spPr>
+            <a:xfrm>
+              <a:off x="10898730" y="-8467"/>
+              <a:ext cx="1290094" cy="6866467"/>
+            </a:xfrm>
+            <a:custGeom>
+              <a:avLst/>
+              <a:gdLst/>
+              <a:ahLst/>
+              <a:cxnLst/>
+              <a:rect l="l" t="t" r="r" b="b"/>
+              <a:pathLst>
+                <a:path w="1290094" h="6858000">
+                  <a:moveTo>
+                    <a:pt x="1019735" y="0"/>
+                  </a:moveTo>
+                  <a:lnTo>
+                    <a:pt x="1290094" y="0"/>
+                  </a:lnTo>
+                  <a:lnTo>
+                    <a:pt x="1290094" y="6858000"/>
+                  </a:lnTo>
+                  <a:lnTo>
+                    <a:pt x="0" y="6858000"/>
+                  </a:lnTo>
+                  <a:lnTo>
+                    <a:pt x="1019735" y="0"/>
+                  </a:lnTo>
+                  <a:close/>
+                </a:path>
+              </a:pathLst>
+            </a:custGeom>
+            <a:solidFill>
+              <a:schemeClr val="accent2">
+                <a:alpha val="70000"/>
+              </a:schemeClr>
+            </a:solidFill>
+            <a:ln>
+              <a:noFill/>
+            </a:ln>
+            <a:effectLst/>
+          </p:spPr>
+          <p:style>
+            <a:lnRef idx="1">
+              <a:schemeClr val="accent1"/>
+            </a:lnRef>
+            <a:fillRef idx="3">
+              <a:schemeClr val="accent1"/>
+            </a:fillRef>
+            <a:effectRef idx="2">
+              <a:schemeClr val="accent1"/>
+            </a:effectRef>
+            <a:fontRef idx="minor">
+              <a:schemeClr val="lt1"/>
+            </a:fontRef>
+          </p:style>
+        </p:sp>
+        <p:sp>
+          <p:nvSpPr>
+            <p:cNvPr id="39" name="Rectangle 29">
+              <a:extLst>
+                <a:ext uri="{FF2B5EF4-FFF2-40B4-BE49-F238E27FC236}">
+                  <a16:creationId xmlns:a16="http://schemas.microsoft.com/office/drawing/2014/main" id="{E767DA1E-BBBF-419C-8E95-8393DA0F72ED}"/>
+                </a:ext>
+                <a:ext uri="{C183D7F6-B498-43B3-948B-1728B52AA6E4}">
+                  <adec:decorative xmlns:adec="http://schemas.microsoft.com/office/drawing/2017/decorative" val="1"/>
+                </a:ext>
+              </a:extLst>
+            </p:cNvPr>
+            <p:cNvSpPr/>
+            <p:nvPr>
+              <p:extLst>
+                <p:ext uri="{386F3935-93C4-4BCD-93E2-E3B085C9AB24}">
+                  <p16:designElem xmlns:p16="http://schemas.microsoft.com/office/powerpoint/2015/main" val="1"/>
+                </p:ext>
+              </p:extLst>
+            </p:nvPr>
+          </p:nvSpPr>
+          <p:spPr>
+            <a:xfrm>
+              <a:off x="10938999" y="-8467"/>
+              <a:ext cx="1249825" cy="6866467"/>
+            </a:xfrm>
+            <a:custGeom>
+              <a:avLst/>
+              <a:gdLst/>
+              <a:ahLst/>
+              <a:cxnLst/>
+              <a:rect l="l" t="t" r="r" b="b"/>
+              <a:pathLst>
+                <a:path w="1249825" h="6858000">
+                  <a:moveTo>
+                    <a:pt x="0" y="0"/>
+                  </a:moveTo>
+                  <a:lnTo>
+                    <a:pt x="1249825" y="0"/>
+                  </a:lnTo>
+                  <a:lnTo>
+                    <a:pt x="1249825" y="6858000"/>
+                  </a:lnTo>
+                  <a:lnTo>
+                    <a:pt x="1109382" y="6858000"/>
+                  </a:lnTo>
+                  <a:lnTo>
+                    <a:pt x="0" y="0"/>
+                  </a:lnTo>
+                  <a:close/>
+                </a:path>
+              </a:pathLst>
+            </a:custGeom>
+            <a:solidFill>
+              <a:schemeClr val="accent2">
+                <a:lumMod val="75000"/>
+                <a:alpha val="80000"/>
+              </a:schemeClr>
+            </a:solidFill>
+            <a:ln>
+              <a:noFill/>
+            </a:ln>
+            <a:effectLst/>
+          </p:spPr>
+          <p:style>
+            <a:lnRef idx="1">
+              <a:schemeClr val="accent1"/>
+            </a:lnRef>
+            <a:fillRef idx="3">
+              <a:schemeClr val="accent1"/>
+            </a:fillRef>
+            <a:effectRef idx="2">
+              <a:schemeClr val="accent1"/>
+            </a:effectRef>
+            <a:fontRef idx="minor">
+              <a:schemeClr val="lt1"/>
+            </a:fontRef>
+          </p:style>
+        </p:sp>
+        <p:sp>
+          <p:nvSpPr>
+            <p:cNvPr id="40" name="Isosceles Triangle 39">
+              <a:extLst>
+                <a:ext uri="{FF2B5EF4-FFF2-40B4-BE49-F238E27FC236}">
+                  <a16:creationId xmlns:a16="http://schemas.microsoft.com/office/drawing/2014/main" id="{D88EF27D-D851-4A85-942B-DC69237C8F29}"/>
+                </a:ext>
+                <a:ext uri="{C183D7F6-B498-43B3-948B-1728B52AA6E4}">
+                  <adec:decorative xmlns:adec="http://schemas.microsoft.com/office/drawing/2017/decorative" val="1"/>
+                </a:ext>
+              </a:extLst>
+            </p:cNvPr>
+            <p:cNvSpPr/>
+            <p:nvPr>
+              <p:extLst>
+                <p:ext uri="{386F3935-93C4-4BCD-93E2-E3B085C9AB24}">
+                  <p16:designElem xmlns:p16="http://schemas.microsoft.com/office/powerpoint/2015/main" val="1"/>
+                </p:ext>
+              </p:extLst>
+            </p:nvPr>
+          </p:nvSpPr>
+          <p:spPr>
+            <a:xfrm>
+              <a:off x="10371666" y="3589867"/>
+              <a:ext cx="1817159" cy="3268133"/>
+            </a:xfrm>
+            <a:prstGeom prst="triangle">
+              <a:avLst>
+                <a:gd name="adj" fmla="val 100000"/>
+              </a:avLst>
+            </a:prstGeom>
+            <a:solidFill>
+              <a:schemeClr val="accent1">
+                <a:lumMod val="75000"/>
+                <a:alpha val="66000"/>
+              </a:schemeClr>
+            </a:solidFill>
+            <a:ln>
+              <a:noFill/>
+            </a:ln>
+            <a:effectLst/>
+          </p:spPr>
+          <p:style>
+            <a:lnRef idx="1">
+              <a:schemeClr val="accent1"/>
+            </a:lnRef>
+            <a:fillRef idx="3">
+              <a:schemeClr val="accent1"/>
+            </a:fillRef>
+            <a:effectRef idx="2">
+              <a:schemeClr val="accent1"/>
+            </a:effectRef>
+            <a:fontRef idx="minor">
+              <a:schemeClr val="lt1"/>
+            </a:fontRef>
+          </p:style>
+        </p:sp>
+        <p:sp>
+          <p:nvSpPr>
+            <p:cNvPr id="41" name="Isosceles Triangle 40">
+              <a:extLst>
+                <a:ext uri="{FF2B5EF4-FFF2-40B4-BE49-F238E27FC236}">
+                  <a16:creationId xmlns:a16="http://schemas.microsoft.com/office/drawing/2014/main" id="{808DF878-FD48-4C53-8A3A-4636F450E303}"/>
+                </a:ext>
+                <a:ext uri="{C183D7F6-B498-43B3-948B-1728B52AA6E4}">
+                  <adec:decorative xmlns:adec="http://schemas.microsoft.com/office/drawing/2017/decorative" val="1"/>
+                </a:ext>
+              </a:extLst>
+            </p:cNvPr>
+            <p:cNvSpPr/>
+            <p:nvPr>
+              <p:extLst>
+                <p:ext uri="{386F3935-93C4-4BCD-93E2-E3B085C9AB24}">
+                  <p16:designElem xmlns:p16="http://schemas.microsoft.com/office/powerpoint/2015/main" val="1"/>
+                </p:ext>
+              </p:extLst>
+            </p:nvPr>
+          </p:nvSpPr>
+          <p:spPr>
+            <a:xfrm>
+              <a:off x="0" y="4013200"/>
+              <a:ext cx="448733" cy="2844800"/>
+            </a:xfrm>
+            <a:prstGeom prst="triangle">
+              <a:avLst>
+                <a:gd name="adj" fmla="val 0"/>
+              </a:avLst>
+            </a:prstGeom>
+            <a:solidFill>
+              <a:schemeClr val="accent1">
+                <a:alpha val="70000"/>
+              </a:schemeClr>
+            </a:solidFill>
+            <a:ln>
+              <a:noFill/>
+            </a:ln>
+            <a:effectLst/>
+          </p:spPr>
+          <p:style>
+            <a:lnRef idx="1">
+              <a:schemeClr val="accent1"/>
+            </a:lnRef>
+            <a:fillRef idx="3">
+              <a:schemeClr val="accent1"/>
+            </a:fillRef>
+            <a:effectRef idx="2">
+              <a:schemeClr val="accent1"/>
+            </a:effectRef>
+            <a:fontRef idx="minor">
+              <a:schemeClr val="lt1"/>
+            </a:fontRef>
+          </p:style>
+        </p:sp>
+      </p:grpSp>
+      <p:sp>
+        <p:nvSpPr>
+          <p:cNvPr id="2" name="Title 1">
+            <a:extLst>
+              <a:ext uri="{FF2B5EF4-FFF2-40B4-BE49-F238E27FC236}">
+                <a16:creationId xmlns:a16="http://schemas.microsoft.com/office/drawing/2014/main" id="{5B0ADAC0-6996-4487-AF0D-D2BB54A50737}"/>
+              </a:ext>
+            </a:extLst>
+          </p:cNvPr>
+          <p:cNvSpPr>
+            <a:spLocks noGrp="1"/>
+          </p:cNvSpPr>
+          <p:nvPr>
+            <p:ph type="title"/>
+          </p:nvPr>
+        </p:nvSpPr>
+        <p:spPr>
+          <a:xfrm>
+            <a:off x="677330" y="609600"/>
+            <a:ext cx="2930518" cy="1320800"/>
+          </a:xfrm>
+        </p:spPr>
+        <p:txBody>
+          <a:bodyPr vert="horz" lIns="91440" tIns="45720" rIns="91440" bIns="45720" rtlCol="0" anchor="ctr">
+            <a:normAutofit/>
+          </a:bodyPr>
+          <a:lstStyle/>
+          <a:p>
+            <a:pPr>
+              <a:lnSpc>
+                <a:spcPct val="90000"/>
+              </a:lnSpc>
+            </a:pPr>
+            <a:r>
+              <a:rPr lang="en-US" sz="2800" dirty="0"/>
+              <a:t>September Payment Review</a:t>
+            </a:r>
+          </a:p>
+        </p:txBody>
+      </p:sp>
+      <p:sp>
+        <p:nvSpPr>
+          <p:cNvPr id="4" name="Content Placeholder 3">
+            <a:extLst>
+              <a:ext uri="{FF2B5EF4-FFF2-40B4-BE49-F238E27FC236}">
+                <a16:creationId xmlns:a16="http://schemas.microsoft.com/office/drawing/2014/main" id="{F4750EC3-B3E4-4D39-A4F6-2317EB53B900}"/>
+              </a:ext>
+            </a:extLst>
+          </p:cNvPr>
+          <p:cNvSpPr>
+            <a:spLocks noGrp="1"/>
+          </p:cNvSpPr>
+          <p:nvPr>
+            <p:ph sz="half" idx="2"/>
+          </p:nvPr>
+        </p:nvSpPr>
+        <p:spPr>
+          <a:xfrm>
+            <a:off x="671361" y="1685925"/>
+            <a:ext cx="3024339" cy="4355437"/>
+          </a:xfrm>
+        </p:spPr>
+        <p:txBody>
+          <a:bodyPr vert="horz" lIns="91440" tIns="45720" rIns="91440" bIns="45720" rtlCol="0">
+            <a:normAutofit/>
+          </a:bodyPr>
+          <a:lstStyle/>
+          <a:p>
+            <a:r>
+              <a:rPr lang="en-US" dirty="0"/>
+              <a:t>&lt;30 and 30-39 age groups have the highest percentage in September for using revolving credit.</a:t>
+            </a:r>
+          </a:p>
+          <a:p>
+            <a:r>
+              <a:rPr lang="en-US" dirty="0"/>
+              <a:t>30-39 age group has the highest percentage in paying the payment in full or having no consumption.</a:t>
+            </a:r>
+          </a:p>
+          <a:p>
+            <a:r>
+              <a:rPr lang="en-US" dirty="0"/>
+              <a:t>Single customers have the highest percentage in using revolving credit.</a:t>
+            </a:r>
+          </a:p>
+        </p:txBody>
+      </p:sp>
+      <p:pic>
+        <p:nvPicPr>
+          <p:cNvPr id="11" name="Picture 10">
+            <a:extLst>
+              <a:ext uri="{FF2B5EF4-FFF2-40B4-BE49-F238E27FC236}">
+                <a16:creationId xmlns:a16="http://schemas.microsoft.com/office/drawing/2014/main" id="{95B15F30-C355-47C3-BC37-34BFC24071B7}"/>
+              </a:ext>
+            </a:extLst>
+          </p:cNvPr>
+          <p:cNvPicPr>
+            <a:picLocks noChangeAspect="1"/>
+          </p:cNvPicPr>
+          <p:nvPr/>
+        </p:nvPicPr>
+        <p:blipFill>
+          <a:blip r:embed="rId2"/>
+          <a:stretch>
+            <a:fillRect/>
+          </a:stretch>
+        </p:blipFill>
+        <p:spPr>
+          <a:xfrm>
+            <a:off x="4400633" y="609600"/>
+            <a:ext cx="4328569" cy="2601747"/>
+          </a:xfrm>
+          <a:prstGeom prst="rect">
+            <a:avLst/>
+          </a:prstGeom>
+        </p:spPr>
+      </p:pic>
+      <p:pic>
+        <p:nvPicPr>
+          <p:cNvPr id="8" name="Picture 7">
+            <a:extLst>
+              <a:ext uri="{FF2B5EF4-FFF2-40B4-BE49-F238E27FC236}">
+                <a16:creationId xmlns:a16="http://schemas.microsoft.com/office/drawing/2014/main" id="{5FBDF63B-2C57-4F10-9491-51DF66521666}"/>
+              </a:ext>
+            </a:extLst>
+          </p:cNvPr>
+          <p:cNvPicPr>
+            <a:picLocks noChangeAspect="1"/>
+          </p:cNvPicPr>
+          <p:nvPr/>
+        </p:nvPicPr>
+        <p:blipFill>
+          <a:blip r:embed="rId3"/>
+          <a:stretch>
+            <a:fillRect/>
+          </a:stretch>
+        </p:blipFill>
+        <p:spPr>
+          <a:xfrm>
+            <a:off x="4400140" y="3439020"/>
+            <a:ext cx="4329557" cy="2602341"/>
+          </a:xfrm>
+          <a:prstGeom prst="rect">
+            <a:avLst/>
+          </a:prstGeom>
+        </p:spPr>
+      </p:pic>
+    </p:spTree>
+    <p:extLst>
+      <p:ext uri="{BB962C8B-B14F-4D97-AF65-F5344CB8AC3E}">
+        <p14:creationId xmlns:p14="http://schemas.microsoft.com/office/powerpoint/2010/main" val="3668898432"/>
+      </p:ext>
+    </p:extLst>
+  </p:cSld>
+  <p:clrMapOvr>
+    <a:masterClrMapping/>
+  </p:clrMapOvr>
+</p:sld>
+</file>
+
+<file path=ppt/slides/slide9.xml><?xml version="1.0" encoding="utf-8"?>
+<p:sld xmlns:a="http://schemas.openxmlformats.org/drawingml/2006/main" xmlns:r="http://schemas.openxmlformats.org/officeDocument/2006/relationships" xmlns:p="http://schemas.openxmlformats.org/presentationml/2006/main">
+  <p:cSld>
+    <p:spTree>
+      <p:nvGrpSpPr>
+        <p:cNvPr id="1" name=""/>
+        <p:cNvGrpSpPr/>
+        <p:nvPr/>
+      </p:nvGrpSpPr>
+      <p:grpSpPr>
+        <a:xfrm>
+          <a:off x="0" y="0"/>
+          <a:ext cx="0" cy="0"/>
+          <a:chOff x="0" y="0"/>
+          <a:chExt cx="0" cy="0"/>
+        </a:xfrm>
+      </p:grpSpPr>
+      <p:sp>
+        <p:nvSpPr>
+          <p:cNvPr id="2" name="Title 1">
+            <a:extLst>
+              <a:ext uri="{FF2B5EF4-FFF2-40B4-BE49-F238E27FC236}">
+                <a16:creationId xmlns:a16="http://schemas.microsoft.com/office/drawing/2014/main" id="{5B0ADAC0-6996-4487-AF0D-D2BB54A50737}"/>
+              </a:ext>
+            </a:extLst>
+          </p:cNvPr>
+          <p:cNvSpPr>
+            <a:spLocks noGrp="1"/>
+          </p:cNvSpPr>
+          <p:nvPr>
+            <p:ph type="title"/>
+          </p:nvPr>
+        </p:nvSpPr>
+        <p:spPr>
+          <a:xfrm>
+            <a:off x="677334" y="609600"/>
+            <a:ext cx="8596668" cy="895349"/>
+          </a:xfrm>
+        </p:spPr>
+        <p:txBody>
+          <a:bodyPr/>
+          <a:lstStyle/>
+          <a:p>
+            <a:r>
+              <a:rPr lang="en-US" dirty="0"/>
+              <a:t>September Payment Review</a:t>
+            </a:r>
+          </a:p>
+        </p:txBody>
+      </p:sp>
+      <p:sp>
+        <p:nvSpPr>
+          <p:cNvPr id="4" name="Content Placeholder 3">
+            <a:extLst>
+              <a:ext uri="{FF2B5EF4-FFF2-40B4-BE49-F238E27FC236}">
+                <a16:creationId xmlns:a16="http://schemas.microsoft.com/office/drawing/2014/main" id="{F4750EC3-B3E4-4D39-A4F6-2317EB53B900}"/>
+              </a:ext>
+            </a:extLst>
+          </p:cNvPr>
+          <p:cNvSpPr>
+            <a:spLocks noGrp="1"/>
+          </p:cNvSpPr>
+          <p:nvPr>
+            <p:ph sz="half" idx="2"/>
+          </p:nvPr>
+        </p:nvSpPr>
+        <p:spPr>
+          <a:xfrm>
+            <a:off x="790586" y="4571685"/>
+            <a:ext cx="9153514" cy="1469678"/>
+          </a:xfrm>
+        </p:spPr>
+        <p:txBody>
+          <a:bodyPr>
+            <a:normAutofit fontScale="92500" lnSpcReduction="10000"/>
+          </a:bodyPr>
+          <a:lstStyle/>
+          <a:p>
+            <a:r>
+              <a:rPr lang="en-US" dirty="0"/>
+              <a:t>Customers with &lt;100k credit leads in using revolving credit and delay payments.</a:t>
+            </a:r>
+          </a:p>
+          <a:p>
+            <a:r>
+              <a:rPr lang="en-US" dirty="0"/>
+              <a:t>Customers with 100k-290k credit leads in no consumption and payment in full.</a:t>
+            </a:r>
+          </a:p>
+          <a:p>
+            <a:r>
+              <a:rPr lang="en-US" dirty="0"/>
+              <a:t>Customers with university education leads in using revolving credit and delay payments.</a:t>
+            </a:r>
+          </a:p>
+          <a:p>
+            <a:r>
+              <a:rPr lang="en-US" dirty="0"/>
+              <a:t>Customers with graduate education leads in no consumption and payment in full.</a:t>
+            </a:r>
+          </a:p>
+        </p:txBody>
+      </p:sp>
+      <p:pic>
+        <p:nvPicPr>
+          <p:cNvPr id="6" name="Picture 5">
+            <a:extLst>
+              <a:ext uri="{FF2B5EF4-FFF2-40B4-BE49-F238E27FC236}">
+                <a16:creationId xmlns:a16="http://schemas.microsoft.com/office/drawing/2014/main" id="{F2FC927C-8815-452A-8EC3-972442F27A22}"/>
+              </a:ext>
+            </a:extLst>
+          </p:cNvPr>
+          <p:cNvPicPr>
+            <a:picLocks noChangeAspect="1"/>
+          </p:cNvPicPr>
+          <p:nvPr/>
+        </p:nvPicPr>
+        <p:blipFill>
+          <a:blip r:embed="rId2"/>
+          <a:stretch>
+            <a:fillRect/>
+          </a:stretch>
+        </p:blipFill>
+        <p:spPr>
+          <a:xfrm>
+            <a:off x="5719591" y="1530302"/>
+            <a:ext cx="4584589" cy="2755631"/>
+          </a:xfrm>
+          <a:prstGeom prst="rect">
+            <a:avLst/>
+          </a:prstGeom>
+        </p:spPr>
+      </p:pic>
+      <p:pic>
+        <p:nvPicPr>
+          <p:cNvPr id="7" name="Picture 6">
+            <a:extLst>
+              <a:ext uri="{FF2B5EF4-FFF2-40B4-BE49-F238E27FC236}">
+                <a16:creationId xmlns:a16="http://schemas.microsoft.com/office/drawing/2014/main" id="{BBA630F6-1058-4C55-BB8F-01EE738EDF37}"/>
+              </a:ext>
+            </a:extLst>
+          </p:cNvPr>
+          <p:cNvPicPr>
+            <a:picLocks noChangeAspect="1"/>
+          </p:cNvPicPr>
+          <p:nvPr/>
+        </p:nvPicPr>
+        <p:blipFill>
+          <a:blip r:embed="rId3"/>
+          <a:stretch>
+            <a:fillRect/>
+          </a:stretch>
+        </p:blipFill>
+        <p:spPr>
+          <a:xfrm>
+            <a:off x="677334" y="1530302"/>
+            <a:ext cx="4584589" cy="2755631"/>
+          </a:xfrm>
+          <a:prstGeom prst="rect">
+            <a:avLst/>
+          </a:prstGeom>
+        </p:spPr>
+      </p:pic>
+    </p:spTree>
+    <p:extLst>
+      <p:ext uri="{BB962C8B-B14F-4D97-AF65-F5344CB8AC3E}">
+        <p14:creationId xmlns:p14="http://schemas.microsoft.com/office/powerpoint/2010/main" val="1985503589"/>
       </p:ext>
     </p:extLst>
   </p:cSld>
